--- a/CS221_2019_Spring/car/p1.pptx
+++ b/CS221_2019_Spring/car/p1.pptx
@@ -261,7 +261,7 @@
           <a:p>
             <a:fld id="{650F42EA-4B50-4899-9FC1-28213D175B0D}" type="datetimeFigureOut">
               <a:rPr lang="zh-CN" altLang="en-US" smtClean="0"/>
-              <a:t>2019/5/18</a:t>
+              <a:t>2019/5/19</a:t>
             </a:fld>
             <a:endParaRPr lang="zh-CN" altLang="en-US"/>
           </a:p>
@@ -461,7 +461,7 @@
           <a:p>
             <a:fld id="{650F42EA-4B50-4899-9FC1-28213D175B0D}" type="datetimeFigureOut">
               <a:rPr lang="zh-CN" altLang="en-US" smtClean="0"/>
-              <a:t>2019/5/18</a:t>
+              <a:t>2019/5/19</a:t>
             </a:fld>
             <a:endParaRPr lang="zh-CN" altLang="en-US"/>
           </a:p>
@@ -671,7 +671,7 @@
           <a:p>
             <a:fld id="{650F42EA-4B50-4899-9FC1-28213D175B0D}" type="datetimeFigureOut">
               <a:rPr lang="zh-CN" altLang="en-US" smtClean="0"/>
-              <a:t>2019/5/18</a:t>
+              <a:t>2019/5/19</a:t>
             </a:fld>
             <a:endParaRPr lang="zh-CN" altLang="en-US"/>
           </a:p>
@@ -871,7 +871,7 @@
           <a:p>
             <a:fld id="{650F42EA-4B50-4899-9FC1-28213D175B0D}" type="datetimeFigureOut">
               <a:rPr lang="zh-CN" altLang="en-US" smtClean="0"/>
-              <a:t>2019/5/18</a:t>
+              <a:t>2019/5/19</a:t>
             </a:fld>
             <a:endParaRPr lang="zh-CN" altLang="en-US"/>
           </a:p>
@@ -1147,7 +1147,7 @@
           <a:p>
             <a:fld id="{650F42EA-4B50-4899-9FC1-28213D175B0D}" type="datetimeFigureOut">
               <a:rPr lang="zh-CN" altLang="en-US" smtClean="0"/>
-              <a:t>2019/5/18</a:t>
+              <a:t>2019/5/19</a:t>
             </a:fld>
             <a:endParaRPr lang="zh-CN" altLang="en-US"/>
           </a:p>
@@ -1415,7 +1415,7 @@
           <a:p>
             <a:fld id="{650F42EA-4B50-4899-9FC1-28213D175B0D}" type="datetimeFigureOut">
               <a:rPr lang="zh-CN" altLang="en-US" smtClean="0"/>
-              <a:t>2019/5/18</a:t>
+              <a:t>2019/5/19</a:t>
             </a:fld>
             <a:endParaRPr lang="zh-CN" altLang="en-US"/>
           </a:p>
@@ -1830,7 +1830,7 @@
           <a:p>
             <a:fld id="{650F42EA-4B50-4899-9FC1-28213D175B0D}" type="datetimeFigureOut">
               <a:rPr lang="zh-CN" altLang="en-US" smtClean="0"/>
-              <a:t>2019/5/18</a:t>
+              <a:t>2019/5/19</a:t>
             </a:fld>
             <a:endParaRPr lang="zh-CN" altLang="en-US"/>
           </a:p>
@@ -1972,7 +1972,7 @@
           <a:p>
             <a:fld id="{650F42EA-4B50-4899-9FC1-28213D175B0D}" type="datetimeFigureOut">
               <a:rPr lang="zh-CN" altLang="en-US" smtClean="0"/>
-              <a:t>2019/5/18</a:t>
+              <a:t>2019/5/19</a:t>
             </a:fld>
             <a:endParaRPr lang="zh-CN" altLang="en-US"/>
           </a:p>
@@ -2085,7 +2085,7 @@
           <a:p>
             <a:fld id="{650F42EA-4B50-4899-9FC1-28213D175B0D}" type="datetimeFigureOut">
               <a:rPr lang="zh-CN" altLang="en-US" smtClean="0"/>
-              <a:t>2019/5/18</a:t>
+              <a:t>2019/5/19</a:t>
             </a:fld>
             <a:endParaRPr lang="zh-CN" altLang="en-US"/>
           </a:p>
@@ -2398,7 +2398,7 @@
           <a:p>
             <a:fld id="{650F42EA-4B50-4899-9FC1-28213D175B0D}" type="datetimeFigureOut">
               <a:rPr lang="zh-CN" altLang="en-US" smtClean="0"/>
-              <a:t>2019/5/18</a:t>
+              <a:t>2019/5/19</a:t>
             </a:fld>
             <a:endParaRPr lang="zh-CN" altLang="en-US"/>
           </a:p>
@@ -2687,7 +2687,7 @@
           <a:p>
             <a:fld id="{650F42EA-4B50-4899-9FC1-28213D175B0D}" type="datetimeFigureOut">
               <a:rPr lang="zh-CN" altLang="en-US" smtClean="0"/>
-              <a:t>2019/5/18</a:t>
+              <a:t>2019/5/19</a:t>
             </a:fld>
             <a:endParaRPr lang="zh-CN" altLang="en-US"/>
           </a:p>
@@ -2930,7 +2930,7 @@
           <a:p>
             <a:fld id="{650F42EA-4B50-4899-9FC1-28213D175B0D}" type="datetimeFigureOut">
               <a:rPr lang="zh-CN" altLang="en-US" smtClean="0"/>
-              <a:t>2019/5/18</a:t>
+              <a:t>2019/5/19</a:t>
             </a:fld>
             <a:endParaRPr lang="zh-CN" altLang="en-US"/>
           </a:p>
@@ -3361,7 +3361,7 @@
         </p:nvSpPr>
         <p:spPr>
           <a:xfrm>
-            <a:off x="6657035" y="596463"/>
+            <a:off x="5142227" y="-3008012"/>
             <a:ext cx="662471" cy="654860"/>
           </a:xfrm>
           <a:prstGeom prst="ellipse">
@@ -3420,7 +3420,7 @@
         </p:nvSpPr>
         <p:spPr>
           <a:xfrm>
-            <a:off x="8081506" y="596463"/>
+            <a:off x="6566698" y="-3008012"/>
             <a:ext cx="662471" cy="654860"/>
           </a:xfrm>
           <a:prstGeom prst="ellipse">
@@ -3479,7 +3479,7 @@
         </p:nvSpPr>
         <p:spPr>
           <a:xfrm>
-            <a:off x="9505977" y="596463"/>
+            <a:off x="7991169" y="-3008012"/>
             <a:ext cx="662471" cy="654860"/>
           </a:xfrm>
           <a:prstGeom prst="ellipse">
@@ -3538,7 +3538,7 @@
         </p:nvSpPr>
         <p:spPr>
           <a:xfrm>
-            <a:off x="9505977" y="1941050"/>
+            <a:off x="7991169" y="-1663425"/>
             <a:ext cx="662471" cy="654860"/>
           </a:xfrm>
           <a:prstGeom prst="ellipse">
@@ -3597,7 +3597,7 @@
         </p:nvSpPr>
         <p:spPr>
           <a:xfrm>
-            <a:off x="8081506" y="1941050"/>
+            <a:off x="6566698" y="-1663425"/>
             <a:ext cx="662471" cy="654860"/>
           </a:xfrm>
           <a:prstGeom prst="ellipse">
@@ -3656,7 +3656,7 @@
         </p:nvSpPr>
         <p:spPr>
           <a:xfrm>
-            <a:off x="6657035" y="1941050"/>
+            <a:off x="5142227" y="-1663425"/>
             <a:ext cx="662471" cy="654860"/>
           </a:xfrm>
           <a:prstGeom prst="ellipse">
@@ -3715,7 +3715,7 @@
         </p:nvSpPr>
         <p:spPr>
           <a:xfrm>
-            <a:off x="7640018" y="845969"/>
+            <a:off x="6125210" y="-2758506"/>
             <a:ext cx="169683" cy="160256"/>
           </a:xfrm>
           <a:prstGeom prst="rect">
@@ -3762,7 +3762,7 @@
         </p:nvSpPr>
         <p:spPr>
           <a:xfrm>
-            <a:off x="9049013" y="845969"/>
+            <a:off x="7534205" y="-2758506"/>
             <a:ext cx="169683" cy="160256"/>
           </a:xfrm>
           <a:prstGeom prst="rect">
@@ -3809,7 +3809,7 @@
         </p:nvSpPr>
         <p:spPr>
           <a:xfrm>
-            <a:off x="6903428" y="119625"/>
+            <a:off x="5388620" y="-3484850"/>
             <a:ext cx="169683" cy="160256"/>
           </a:xfrm>
           <a:prstGeom prst="rect">
@@ -3856,7 +3856,7 @@
         </p:nvSpPr>
         <p:spPr>
           <a:xfrm>
-            <a:off x="6903428" y="1516058"/>
+            <a:off x="5388620" y="-2088417"/>
             <a:ext cx="169683" cy="160256"/>
           </a:xfrm>
           <a:prstGeom prst="rect">
@@ -3903,7 +3903,7 @@
         </p:nvSpPr>
         <p:spPr>
           <a:xfrm>
-            <a:off x="8327899" y="1516058"/>
+            <a:off x="6813091" y="-2088417"/>
             <a:ext cx="169683" cy="160256"/>
           </a:xfrm>
           <a:prstGeom prst="rect">
@@ -3950,7 +3950,7 @@
         </p:nvSpPr>
         <p:spPr>
           <a:xfrm>
-            <a:off x="9749621" y="1516058"/>
+            <a:off x="8234813" y="-2088417"/>
             <a:ext cx="169683" cy="160256"/>
           </a:xfrm>
           <a:prstGeom prst="rect">
@@ -4000,7 +4000,7 @@
         </p:nvCxnSpPr>
         <p:spPr>
           <a:xfrm>
-            <a:off x="6988270" y="279881"/>
+            <a:off x="5473462" y="-3324594"/>
             <a:ext cx="1" cy="316582"/>
           </a:xfrm>
           <a:prstGeom prst="line">
@@ -4039,7 +4039,7 @@
         </p:nvCxnSpPr>
         <p:spPr>
           <a:xfrm>
-            <a:off x="7319506" y="923893"/>
+            <a:off x="5804698" y="-2680582"/>
             <a:ext cx="320512" cy="2204"/>
           </a:xfrm>
           <a:prstGeom prst="line">
@@ -4078,7 +4078,7 @@
         </p:nvCxnSpPr>
         <p:spPr>
           <a:xfrm flipV="1">
-            <a:off x="7809701" y="923893"/>
+            <a:off x="6294893" y="-2680582"/>
             <a:ext cx="271805" cy="2204"/>
           </a:xfrm>
           <a:prstGeom prst="line">
@@ -4117,7 +4117,7 @@
         </p:nvCxnSpPr>
         <p:spPr>
           <a:xfrm>
-            <a:off x="8743977" y="923893"/>
+            <a:off x="7229169" y="-2680582"/>
             <a:ext cx="305036" cy="2204"/>
           </a:xfrm>
           <a:prstGeom prst="line">
@@ -4156,7 +4156,7 @@
         </p:nvCxnSpPr>
         <p:spPr>
           <a:xfrm flipV="1">
-            <a:off x="9218696" y="923893"/>
+            <a:off x="7703888" y="-2680582"/>
             <a:ext cx="287281" cy="2204"/>
           </a:xfrm>
           <a:prstGeom prst="line">
@@ -4195,7 +4195,7 @@
         </p:nvCxnSpPr>
         <p:spPr>
           <a:xfrm flipH="1">
-            <a:off x="6988270" y="1251323"/>
+            <a:off x="5473462" y="-2353152"/>
             <a:ext cx="1" cy="264735"/>
           </a:xfrm>
           <a:prstGeom prst="line">
@@ -4234,7 +4234,7 @@
         </p:nvCxnSpPr>
         <p:spPr>
           <a:xfrm>
-            <a:off x="6988270" y="1676314"/>
+            <a:off x="5473462" y="-1928161"/>
             <a:ext cx="1" cy="264736"/>
           </a:xfrm>
           <a:prstGeom prst="line">
@@ -4273,7 +4273,7 @@
         </p:nvCxnSpPr>
         <p:spPr>
           <a:xfrm flipH="1">
-            <a:off x="8412741" y="1251323"/>
+            <a:off x="6897933" y="-2353152"/>
             <a:ext cx="1" cy="264735"/>
           </a:xfrm>
           <a:prstGeom prst="line">
@@ -4312,7 +4312,7 @@
         </p:nvCxnSpPr>
         <p:spPr>
           <a:xfrm>
-            <a:off x="8412741" y="1676314"/>
+            <a:off x="6897933" y="-1928161"/>
             <a:ext cx="1" cy="264736"/>
           </a:xfrm>
           <a:prstGeom prst="line">
@@ -4351,7 +4351,7 @@
         </p:nvCxnSpPr>
         <p:spPr>
           <a:xfrm flipH="1">
-            <a:off x="9834463" y="1251323"/>
+            <a:off x="8319655" y="-2353152"/>
             <a:ext cx="2750" cy="264735"/>
           </a:xfrm>
           <a:prstGeom prst="line">
@@ -4390,7 +4390,7 @@
         </p:nvCxnSpPr>
         <p:spPr>
           <a:xfrm>
-            <a:off x="9834463" y="1676314"/>
+            <a:off x="8319655" y="-1928161"/>
             <a:ext cx="2750" cy="264736"/>
           </a:xfrm>
           <a:prstGeom prst="line">
@@ -4426,7 +4426,7 @@
         </p:nvSpPr>
         <p:spPr>
           <a:xfrm>
-            <a:off x="7111893" y="88469"/>
+            <a:off x="5597085" y="-3516006"/>
             <a:ext cx="513282" cy="276999"/>
           </a:xfrm>
           <a:prstGeom prst="rect">
@@ -4462,7 +4462,7 @@
         </p:nvSpPr>
         <p:spPr>
           <a:xfrm>
-            <a:off x="7042320" y="1395336"/>
+            <a:off x="5527512" y="-2209139"/>
             <a:ext cx="718466" cy="276999"/>
           </a:xfrm>
           <a:prstGeom prst="rect">
@@ -4498,7 +4498,7 @@
         </p:nvSpPr>
         <p:spPr>
           <a:xfrm>
-            <a:off x="8775362" y="550714"/>
+            <a:off x="7260554" y="-3053761"/>
             <a:ext cx="699230" cy="276999"/>
           </a:xfrm>
           <a:prstGeom prst="rect">
@@ -4534,7 +4534,7 @@
         </p:nvSpPr>
         <p:spPr>
           <a:xfrm>
-            <a:off x="7413386" y="568736"/>
+            <a:off x="5898578" y="-3035739"/>
             <a:ext cx="699230" cy="276999"/>
           </a:xfrm>
           <a:prstGeom prst="rect">
@@ -4570,7 +4570,7 @@
         </p:nvSpPr>
         <p:spPr>
           <a:xfrm>
-            <a:off x="8491744" y="1418953"/>
+            <a:off x="6976936" y="-2185522"/>
             <a:ext cx="718466" cy="276999"/>
           </a:xfrm>
           <a:prstGeom prst="rect">
@@ -4606,7 +4606,7 @@
         </p:nvSpPr>
         <p:spPr>
           <a:xfrm>
-            <a:off x="9928503" y="1446397"/>
+            <a:off x="8413695" y="-2158078"/>
             <a:ext cx="718466" cy="276999"/>
           </a:xfrm>
           <a:prstGeom prst="rect">
@@ -4642,7 +4642,7 @@
         </p:nvSpPr>
         <p:spPr>
           <a:xfrm>
-            <a:off x="2102900" y="577906"/>
+            <a:off x="1210703" y="-3008012"/>
             <a:ext cx="662471" cy="654860"/>
           </a:xfrm>
           <a:prstGeom prst="ellipse">
@@ -4701,7 +4701,7 @@
         </p:nvSpPr>
         <p:spPr>
           <a:xfrm>
-            <a:off x="3527371" y="577906"/>
+            <a:off x="2635174" y="-3008012"/>
             <a:ext cx="662471" cy="654860"/>
           </a:xfrm>
           <a:prstGeom prst="ellipse">
@@ -4760,7 +4760,7 @@
         </p:nvSpPr>
         <p:spPr>
           <a:xfrm>
-            <a:off x="4951842" y="577906"/>
+            <a:off x="4059645" y="-3008012"/>
             <a:ext cx="662471" cy="654860"/>
           </a:xfrm>
           <a:prstGeom prst="ellipse">
@@ -4819,7 +4819,7 @@
         </p:nvSpPr>
         <p:spPr>
           <a:xfrm>
-            <a:off x="4951842" y="1922493"/>
+            <a:off x="4059645" y="-1663425"/>
             <a:ext cx="662471" cy="654860"/>
           </a:xfrm>
           <a:prstGeom prst="ellipse">
@@ -4878,7 +4878,7 @@
         </p:nvSpPr>
         <p:spPr>
           <a:xfrm>
-            <a:off x="3527371" y="1922493"/>
+            <a:off x="2635174" y="-1663425"/>
             <a:ext cx="662471" cy="654860"/>
           </a:xfrm>
           <a:prstGeom prst="ellipse">
@@ -4937,7 +4937,7 @@
         </p:nvSpPr>
         <p:spPr>
           <a:xfrm>
-            <a:off x="2102900" y="1922493"/>
+            <a:off x="1210703" y="-1663425"/>
             <a:ext cx="662471" cy="654860"/>
           </a:xfrm>
           <a:prstGeom prst="ellipse">
@@ -4999,7 +4999,7 @@
         </p:nvCxnSpPr>
         <p:spPr>
           <a:xfrm>
-            <a:off x="2765371" y="905336"/>
+            <a:off x="1873174" y="-2680582"/>
             <a:ext cx="762000" cy="0"/>
           </a:xfrm>
           <a:prstGeom prst="straightConnector1">
@@ -5041,7 +5041,7 @@
         </p:nvCxnSpPr>
         <p:spPr>
           <a:xfrm>
-            <a:off x="4189842" y="905336"/>
+            <a:off x="3297645" y="-2680582"/>
             <a:ext cx="762000" cy="0"/>
           </a:xfrm>
           <a:prstGeom prst="straightConnector1">
@@ -5083,7 +5083,7 @@
         </p:nvCxnSpPr>
         <p:spPr>
           <a:xfrm>
-            <a:off x="2434136" y="1232766"/>
+            <a:off x="1541939" y="-2353152"/>
             <a:ext cx="0" cy="689727"/>
           </a:xfrm>
           <a:prstGeom prst="straightConnector1">
@@ -5125,7 +5125,7 @@
         </p:nvCxnSpPr>
         <p:spPr>
           <a:xfrm>
-            <a:off x="3858607" y="1232766"/>
+            <a:off x="2966410" y="-2353152"/>
             <a:ext cx="0" cy="689727"/>
           </a:xfrm>
           <a:prstGeom prst="straightConnector1">
@@ -5167,7 +5167,7 @@
         </p:nvCxnSpPr>
         <p:spPr>
           <a:xfrm>
-            <a:off x="5283078" y="1232766"/>
+            <a:off x="4390881" y="-2353152"/>
             <a:ext cx="0" cy="689727"/>
           </a:xfrm>
           <a:prstGeom prst="straightConnector1">
@@ -5206,7 +5206,7 @@
         </p:nvSpPr>
         <p:spPr>
           <a:xfrm>
-            <a:off x="3107255" y="2666625"/>
+            <a:off x="2215058" y="-919293"/>
             <a:ext cx="1502701" cy="369332"/>
           </a:xfrm>
           <a:prstGeom prst="rect">
@@ -5242,7 +5242,7 @@
         </p:nvSpPr>
         <p:spPr>
           <a:xfrm>
-            <a:off x="7673615" y="2694846"/>
+            <a:off x="6158807" y="-909629"/>
             <a:ext cx="1502701" cy="369332"/>
           </a:xfrm>
           <a:prstGeom prst="rect">
@@ -5278,7 +5278,7 @@
         </p:nvSpPr>
         <p:spPr>
           <a:xfrm>
-            <a:off x="2090673" y="4033933"/>
+            <a:off x="303817" y="4184935"/>
             <a:ext cx="662471" cy="654860"/>
           </a:xfrm>
           <a:prstGeom prst="ellipse">
@@ -5337,7 +5337,7 @@
         </p:nvSpPr>
         <p:spPr>
           <a:xfrm>
-            <a:off x="3515144" y="4033933"/>
+            <a:off x="1728288" y="4184935"/>
             <a:ext cx="662471" cy="654860"/>
           </a:xfrm>
           <a:prstGeom prst="ellipse">
@@ -5396,7 +5396,7 @@
         </p:nvSpPr>
         <p:spPr>
           <a:xfrm>
-            <a:off x="3515144" y="5378520"/>
+            <a:off x="1728288" y="5529522"/>
             <a:ext cx="662471" cy="654860"/>
           </a:xfrm>
           <a:prstGeom prst="ellipse">
@@ -5455,7 +5455,7 @@
         </p:nvSpPr>
         <p:spPr>
           <a:xfrm>
-            <a:off x="3073656" y="4283439"/>
+            <a:off x="1286800" y="4434441"/>
             <a:ext cx="169683" cy="160256"/>
           </a:xfrm>
           <a:prstGeom prst="rect">
@@ -5502,7 +5502,7 @@
         </p:nvSpPr>
         <p:spPr>
           <a:xfrm>
-            <a:off x="2337066" y="3557095"/>
+            <a:off x="550210" y="3708097"/>
             <a:ext cx="169683" cy="160256"/>
           </a:xfrm>
           <a:prstGeom prst="rect">
@@ -5549,7 +5549,7 @@
         </p:nvSpPr>
         <p:spPr>
           <a:xfrm>
-            <a:off x="3761537" y="4953528"/>
+            <a:off x="1974681" y="5104530"/>
             <a:ext cx="169683" cy="160256"/>
           </a:xfrm>
           <a:prstGeom prst="rect">
@@ -5599,7 +5599,7 @@
         </p:nvCxnSpPr>
         <p:spPr>
           <a:xfrm>
-            <a:off x="2421908" y="3717351"/>
+            <a:off x="635052" y="3868353"/>
             <a:ext cx="1" cy="316582"/>
           </a:xfrm>
           <a:prstGeom prst="line">
@@ -5638,7 +5638,7 @@
         </p:nvCxnSpPr>
         <p:spPr>
           <a:xfrm>
-            <a:off x="2753144" y="4361363"/>
+            <a:off x="966288" y="4512365"/>
             <a:ext cx="320512" cy="2204"/>
           </a:xfrm>
           <a:prstGeom prst="line">
@@ -5677,7 +5677,7 @@
         </p:nvCxnSpPr>
         <p:spPr>
           <a:xfrm flipV="1">
-            <a:off x="3243339" y="4361363"/>
+            <a:off x="1456483" y="4512365"/>
             <a:ext cx="271805" cy="2204"/>
           </a:xfrm>
           <a:prstGeom prst="line">
@@ -5716,7 +5716,7 @@
         </p:nvCxnSpPr>
         <p:spPr>
           <a:xfrm flipH="1">
-            <a:off x="3846379" y="4688793"/>
+            <a:off x="2059523" y="4839795"/>
             <a:ext cx="1" cy="264735"/>
           </a:xfrm>
           <a:prstGeom prst="line">
@@ -5755,7 +5755,7 @@
         </p:nvCxnSpPr>
         <p:spPr>
           <a:xfrm>
-            <a:off x="3846379" y="5113784"/>
+            <a:off x="2059523" y="5264786"/>
             <a:ext cx="1" cy="264736"/>
           </a:xfrm>
           <a:prstGeom prst="line">
@@ -5791,7 +5791,7 @@
         </p:nvSpPr>
         <p:spPr>
           <a:xfrm>
-            <a:off x="2545531" y="3525939"/>
+            <a:off x="758675" y="3676941"/>
             <a:ext cx="513282" cy="276999"/>
           </a:xfrm>
           <a:prstGeom prst="rect">
@@ -5827,7 +5827,7 @@
         </p:nvSpPr>
         <p:spPr>
           <a:xfrm>
-            <a:off x="2847024" y="4006206"/>
+            <a:off x="1060168" y="4157208"/>
             <a:ext cx="699230" cy="276999"/>
           </a:xfrm>
           <a:prstGeom prst="rect">
@@ -5863,7 +5863,7 @@
         </p:nvSpPr>
         <p:spPr>
           <a:xfrm>
-            <a:off x="3925382" y="4856423"/>
+            <a:off x="2138526" y="5007425"/>
             <a:ext cx="718466" cy="276999"/>
           </a:xfrm>
           <a:prstGeom prst="rect">
@@ -5899,7 +5899,7 @@
         </p:nvSpPr>
         <p:spPr>
           <a:xfrm>
-            <a:off x="3107253" y="6132316"/>
+            <a:off x="1320397" y="6283318"/>
             <a:ext cx="1502701" cy="369332"/>
           </a:xfrm>
           <a:prstGeom prst="rect">
@@ -5935,7 +5935,7 @@
         </p:nvSpPr>
         <p:spPr>
           <a:xfrm>
-            <a:off x="6741701" y="3921043"/>
+            <a:off x="9223451" y="-3017676"/>
             <a:ext cx="662471" cy="654860"/>
           </a:xfrm>
           <a:prstGeom prst="ellipse">
@@ -5994,7 +5994,7 @@
         </p:nvSpPr>
         <p:spPr>
           <a:xfrm>
-            <a:off x="8166172" y="3921043"/>
+            <a:off x="10647922" y="-3017676"/>
             <a:ext cx="662471" cy="654860"/>
           </a:xfrm>
           <a:prstGeom prst="ellipse">
@@ -6053,7 +6053,7 @@
         </p:nvSpPr>
         <p:spPr>
           <a:xfrm>
-            <a:off x="9590643" y="3921043"/>
+            <a:off x="12072393" y="-3017676"/>
             <a:ext cx="662471" cy="654860"/>
           </a:xfrm>
           <a:prstGeom prst="ellipse">
@@ -6112,7 +6112,7 @@
         </p:nvSpPr>
         <p:spPr>
           <a:xfrm>
-            <a:off x="9590643" y="5265630"/>
+            <a:off x="12072393" y="-1673089"/>
             <a:ext cx="662471" cy="654860"/>
           </a:xfrm>
           <a:prstGeom prst="ellipse">
@@ -6171,7 +6171,7 @@
         </p:nvSpPr>
         <p:spPr>
           <a:xfrm>
-            <a:off x="8166172" y="5265630"/>
+            <a:off x="10647922" y="-1673089"/>
             <a:ext cx="662471" cy="654860"/>
           </a:xfrm>
           <a:prstGeom prst="ellipse">
@@ -6230,7 +6230,7 @@
         </p:nvSpPr>
         <p:spPr>
           <a:xfrm>
-            <a:off x="7724684" y="4170549"/>
+            <a:off x="10206434" y="-2768170"/>
             <a:ext cx="169683" cy="160256"/>
           </a:xfrm>
           <a:prstGeom prst="rect">
@@ -6277,7 +6277,7 @@
         </p:nvSpPr>
         <p:spPr>
           <a:xfrm>
-            <a:off x="9133679" y="4170549"/>
+            <a:off x="11615429" y="-2768170"/>
             <a:ext cx="169683" cy="160256"/>
           </a:xfrm>
           <a:prstGeom prst="rect">
@@ -6324,7 +6324,7 @@
         </p:nvSpPr>
         <p:spPr>
           <a:xfrm>
-            <a:off x="6988094" y="3444205"/>
+            <a:off x="9469844" y="-3494514"/>
             <a:ext cx="169683" cy="160256"/>
           </a:xfrm>
           <a:prstGeom prst="rect">
@@ -6371,7 +6371,7 @@
         </p:nvSpPr>
         <p:spPr>
           <a:xfrm>
-            <a:off x="8412565" y="4840638"/>
+            <a:off x="10894315" y="-2098081"/>
             <a:ext cx="169683" cy="160256"/>
           </a:xfrm>
           <a:prstGeom prst="rect">
@@ -6418,7 +6418,7 @@
         </p:nvSpPr>
         <p:spPr>
           <a:xfrm>
-            <a:off x="9834287" y="4840638"/>
+            <a:off x="12316037" y="-2098081"/>
             <a:ext cx="169683" cy="160256"/>
           </a:xfrm>
           <a:prstGeom prst="rect">
@@ -6468,7 +6468,7 @@
         </p:nvCxnSpPr>
         <p:spPr>
           <a:xfrm>
-            <a:off x="7072936" y="3604461"/>
+            <a:off x="9554686" y="-3334258"/>
             <a:ext cx="1" cy="316582"/>
           </a:xfrm>
           <a:prstGeom prst="line">
@@ -6507,7 +6507,7 @@
         </p:nvCxnSpPr>
         <p:spPr>
           <a:xfrm>
-            <a:off x="7404172" y="4248473"/>
+            <a:off x="9885922" y="-2690246"/>
             <a:ext cx="320512" cy="2204"/>
           </a:xfrm>
           <a:prstGeom prst="line">
@@ -6546,7 +6546,7 @@
         </p:nvCxnSpPr>
         <p:spPr>
           <a:xfrm flipV="1">
-            <a:off x="7894367" y="4248473"/>
+            <a:off x="10376117" y="-2690246"/>
             <a:ext cx="271805" cy="2204"/>
           </a:xfrm>
           <a:prstGeom prst="line">
@@ -6585,7 +6585,7 @@
         </p:nvCxnSpPr>
         <p:spPr>
           <a:xfrm>
-            <a:off x="8828643" y="4248473"/>
+            <a:off x="11310393" y="-2690246"/>
             <a:ext cx="305036" cy="2204"/>
           </a:xfrm>
           <a:prstGeom prst="line">
@@ -6624,7 +6624,7 @@
         </p:nvCxnSpPr>
         <p:spPr>
           <a:xfrm flipV="1">
-            <a:off x="9303362" y="4248473"/>
+            <a:off x="11785112" y="-2690246"/>
             <a:ext cx="287281" cy="2204"/>
           </a:xfrm>
           <a:prstGeom prst="line">
@@ -6663,7 +6663,7 @@
         </p:nvCxnSpPr>
         <p:spPr>
           <a:xfrm flipH="1">
-            <a:off x="8497407" y="4575903"/>
+            <a:off x="10979157" y="-2362816"/>
             <a:ext cx="1" cy="264735"/>
           </a:xfrm>
           <a:prstGeom prst="line">
@@ -6702,7 +6702,7 @@
         </p:nvCxnSpPr>
         <p:spPr>
           <a:xfrm>
-            <a:off x="8497407" y="5000894"/>
+            <a:off x="10979157" y="-1937825"/>
             <a:ext cx="1" cy="264736"/>
           </a:xfrm>
           <a:prstGeom prst="line">
@@ -6741,7 +6741,7 @@
         </p:nvCxnSpPr>
         <p:spPr>
           <a:xfrm flipH="1">
-            <a:off x="9919129" y="4575903"/>
+            <a:off x="12400879" y="-2362816"/>
             <a:ext cx="2750" cy="264735"/>
           </a:xfrm>
           <a:prstGeom prst="line">
@@ -6780,7 +6780,7 @@
         </p:nvCxnSpPr>
         <p:spPr>
           <a:xfrm>
-            <a:off x="9919129" y="5000894"/>
+            <a:off x="12400879" y="-1937825"/>
             <a:ext cx="2750" cy="264736"/>
           </a:xfrm>
           <a:prstGeom prst="line">
@@ -6816,7 +6816,7 @@
         </p:nvSpPr>
         <p:spPr>
           <a:xfrm>
-            <a:off x="7196559" y="3413049"/>
+            <a:off x="9678309" y="-3525670"/>
             <a:ext cx="513282" cy="276999"/>
           </a:xfrm>
           <a:prstGeom prst="rect">
@@ -6852,7 +6852,7 @@
         </p:nvSpPr>
         <p:spPr>
           <a:xfrm>
-            <a:off x="8860028" y="3875294"/>
+            <a:off x="11341778" y="-3063425"/>
             <a:ext cx="699230" cy="276999"/>
           </a:xfrm>
           <a:prstGeom prst="rect">
@@ -6888,7 +6888,7 @@
         </p:nvSpPr>
         <p:spPr>
           <a:xfrm>
-            <a:off x="7498052" y="3893316"/>
+            <a:off x="9979802" y="-3045403"/>
             <a:ext cx="699230" cy="276999"/>
           </a:xfrm>
           <a:prstGeom prst="rect">
@@ -6924,7 +6924,7 @@
         </p:nvSpPr>
         <p:spPr>
           <a:xfrm>
-            <a:off x="8576410" y="4743533"/>
+            <a:off x="11058160" y="-2195186"/>
             <a:ext cx="718466" cy="276999"/>
           </a:xfrm>
           <a:prstGeom prst="rect">
@@ -6960,7 +6960,7 @@
         </p:nvSpPr>
         <p:spPr>
           <a:xfrm>
-            <a:off x="10013169" y="4770977"/>
+            <a:off x="12494919" y="-2167742"/>
             <a:ext cx="718466" cy="276999"/>
           </a:xfrm>
           <a:prstGeom prst="rect">
@@ -6996,7 +6996,7 @@
         </p:nvSpPr>
         <p:spPr>
           <a:xfrm>
-            <a:off x="7758281" y="6019426"/>
+            <a:off x="10240031" y="-919293"/>
             <a:ext cx="1502701" cy="369332"/>
           </a:xfrm>
           <a:prstGeom prst="rect">
@@ -7015,6 +7015,4584 @@
               <a:t>Factor Graph</a:t>
             </a:r>
             <a:endParaRPr lang="zh-CN" altLang="en-US" dirty="0"/>
+          </a:p>
+        </p:txBody>
+      </p:sp>
+      <p:sp>
+        <p:nvSpPr>
+          <p:cNvPr id="91" name="Oval 90">
+            <a:extLst>
+              <a:ext uri="{FF2B5EF4-FFF2-40B4-BE49-F238E27FC236}">
+                <a16:creationId xmlns:a16="http://schemas.microsoft.com/office/drawing/2014/main" id="{59416194-7D35-4759-9F69-68BF67A8A967}"/>
+              </a:ext>
+            </a:extLst>
+          </p:cNvPr>
+          <p:cNvSpPr/>
+          <p:nvPr/>
+        </p:nvSpPr>
+        <p:spPr>
+          <a:xfrm>
+            <a:off x="303816" y="-1675884"/>
+            <a:ext cx="662471" cy="654860"/>
+          </a:xfrm>
+          <a:prstGeom prst="ellipse">
+            <a:avLst/>
+          </a:prstGeom>
+          <a:noFill/>
+        </p:spPr>
+        <p:style>
+          <a:lnRef idx="2">
+            <a:schemeClr val="accent1">
+              <a:shade val="50000"/>
+            </a:schemeClr>
+          </a:lnRef>
+          <a:fillRef idx="1">
+            <a:schemeClr val="accent1"/>
+          </a:fillRef>
+          <a:effectRef idx="0">
+            <a:schemeClr val="accent1"/>
+          </a:effectRef>
+          <a:fontRef idx="minor">
+            <a:schemeClr val="lt1"/>
+          </a:fontRef>
+        </p:style>
+        <p:txBody>
+          <a:bodyPr rtlCol="0" anchor="ctr"/>
+          <a:lstStyle/>
+          <a:p>
+            <a:pPr algn="ctr"/>
+            <a:r>
+              <a:rPr lang="en-US" altLang="zh-CN" sz="1100" dirty="0">
+                <a:solidFill>
+                  <a:schemeClr val="tx1"/>
+                </a:solidFill>
+              </a:rPr>
+              <a:t>C11</a:t>
+            </a:r>
+            <a:endParaRPr lang="zh-CN" altLang="en-US" sz="1100" dirty="0">
+              <a:solidFill>
+                <a:schemeClr val="tx1"/>
+              </a:solidFill>
+            </a:endParaRPr>
+          </a:p>
+        </p:txBody>
+      </p:sp>
+      <p:sp>
+        <p:nvSpPr>
+          <p:cNvPr id="92" name="Oval 91">
+            <a:extLst>
+              <a:ext uri="{FF2B5EF4-FFF2-40B4-BE49-F238E27FC236}">
+                <a16:creationId xmlns:a16="http://schemas.microsoft.com/office/drawing/2014/main" id="{699EE5EB-3B7A-4FCF-8BE8-1D1130BB90FD}"/>
+              </a:ext>
+            </a:extLst>
+          </p:cNvPr>
+          <p:cNvSpPr/>
+          <p:nvPr/>
+        </p:nvSpPr>
+        <p:spPr>
+          <a:xfrm>
+            <a:off x="1280763" y="-1675884"/>
+            <a:ext cx="662471" cy="654860"/>
+          </a:xfrm>
+          <a:prstGeom prst="ellipse">
+            <a:avLst/>
+          </a:prstGeom>
+          <a:noFill/>
+        </p:spPr>
+        <p:style>
+          <a:lnRef idx="2">
+            <a:schemeClr val="accent1">
+              <a:shade val="50000"/>
+            </a:schemeClr>
+          </a:lnRef>
+          <a:fillRef idx="1">
+            <a:schemeClr val="accent1"/>
+          </a:fillRef>
+          <a:effectRef idx="0">
+            <a:schemeClr val="accent1"/>
+          </a:effectRef>
+          <a:fontRef idx="minor">
+            <a:schemeClr val="lt1"/>
+          </a:fontRef>
+        </p:style>
+        <p:txBody>
+          <a:bodyPr rtlCol="0" anchor="ctr"/>
+          <a:lstStyle/>
+          <a:p>
+            <a:pPr algn="ctr"/>
+            <a:r>
+              <a:rPr lang="en-US" altLang="zh-CN" sz="1100" dirty="0">
+                <a:solidFill>
+                  <a:schemeClr val="tx1"/>
+                </a:solidFill>
+              </a:rPr>
+              <a:t>C12</a:t>
+            </a:r>
+            <a:endParaRPr lang="zh-CN" altLang="en-US" sz="1100" dirty="0">
+              <a:solidFill>
+                <a:schemeClr val="tx1"/>
+              </a:solidFill>
+            </a:endParaRPr>
+          </a:p>
+        </p:txBody>
+      </p:sp>
+      <p:sp>
+        <p:nvSpPr>
+          <p:cNvPr id="93" name="Oval 92">
+            <a:extLst>
+              <a:ext uri="{FF2B5EF4-FFF2-40B4-BE49-F238E27FC236}">
+                <a16:creationId xmlns:a16="http://schemas.microsoft.com/office/drawing/2014/main" id="{95FE8ABC-C87B-4A18-B2BF-AF38511B61FC}"/>
+              </a:ext>
+            </a:extLst>
+          </p:cNvPr>
+          <p:cNvSpPr/>
+          <p:nvPr/>
+        </p:nvSpPr>
+        <p:spPr>
+          <a:xfrm>
+            <a:off x="309137" y="-761847"/>
+            <a:ext cx="662471" cy="654860"/>
+          </a:xfrm>
+          <a:prstGeom prst="ellipse">
+            <a:avLst/>
+          </a:prstGeom>
+          <a:noFill/>
+        </p:spPr>
+        <p:style>
+          <a:lnRef idx="2">
+            <a:schemeClr val="accent1">
+              <a:shade val="50000"/>
+            </a:schemeClr>
+          </a:lnRef>
+          <a:fillRef idx="1">
+            <a:schemeClr val="accent1"/>
+          </a:fillRef>
+          <a:effectRef idx="0">
+            <a:schemeClr val="accent1"/>
+          </a:effectRef>
+          <a:fontRef idx="minor">
+            <a:schemeClr val="lt1"/>
+          </a:fontRef>
+        </p:style>
+        <p:txBody>
+          <a:bodyPr rtlCol="0" anchor="ctr"/>
+          <a:lstStyle/>
+          <a:p>
+            <a:pPr algn="ctr"/>
+            <a:r>
+              <a:rPr lang="en-US" altLang="zh-CN" sz="1100" dirty="0">
+                <a:solidFill>
+                  <a:schemeClr val="tx1"/>
+                </a:solidFill>
+              </a:rPr>
+              <a:t>D12</a:t>
+            </a:r>
+            <a:endParaRPr lang="zh-CN" altLang="en-US" sz="1100" dirty="0">
+              <a:solidFill>
+                <a:schemeClr val="tx1"/>
+              </a:solidFill>
+            </a:endParaRPr>
+          </a:p>
+        </p:txBody>
+      </p:sp>
+      <p:sp>
+        <p:nvSpPr>
+          <p:cNvPr id="94" name="Oval 93">
+            <a:extLst>
+              <a:ext uri="{FF2B5EF4-FFF2-40B4-BE49-F238E27FC236}">
+                <a16:creationId xmlns:a16="http://schemas.microsoft.com/office/drawing/2014/main" id="{1D0A11C2-8754-4E7E-8C1F-E38AAA84BDCB}"/>
+              </a:ext>
+            </a:extLst>
+          </p:cNvPr>
+          <p:cNvSpPr/>
+          <p:nvPr/>
+        </p:nvSpPr>
+        <p:spPr>
+          <a:xfrm>
+            <a:off x="1286085" y="-771511"/>
+            <a:ext cx="662471" cy="654860"/>
+          </a:xfrm>
+          <a:prstGeom prst="ellipse">
+            <a:avLst/>
+          </a:prstGeom>
+          <a:noFill/>
+        </p:spPr>
+        <p:style>
+          <a:lnRef idx="2">
+            <a:schemeClr val="accent1">
+              <a:shade val="50000"/>
+            </a:schemeClr>
+          </a:lnRef>
+          <a:fillRef idx="1">
+            <a:schemeClr val="accent1"/>
+          </a:fillRef>
+          <a:effectRef idx="0">
+            <a:schemeClr val="accent1"/>
+          </a:effectRef>
+          <a:fontRef idx="minor">
+            <a:schemeClr val="lt1"/>
+          </a:fontRef>
+        </p:style>
+        <p:txBody>
+          <a:bodyPr rtlCol="0" anchor="ctr"/>
+          <a:lstStyle/>
+          <a:p>
+            <a:pPr algn="ctr"/>
+            <a:r>
+              <a:rPr lang="en-US" altLang="zh-CN" sz="1100" dirty="0">
+                <a:solidFill>
+                  <a:schemeClr val="tx1"/>
+                </a:solidFill>
+              </a:rPr>
+              <a:t>D11</a:t>
+            </a:r>
+            <a:endParaRPr lang="zh-CN" altLang="en-US" sz="1100" dirty="0">
+              <a:solidFill>
+                <a:schemeClr val="tx1"/>
+              </a:solidFill>
+            </a:endParaRPr>
+          </a:p>
+        </p:txBody>
+      </p:sp>
+      <p:cxnSp>
+        <p:nvCxnSpPr>
+          <p:cNvPr id="95" name="Straight Arrow Connector 94">
+            <a:extLst>
+              <a:ext uri="{FF2B5EF4-FFF2-40B4-BE49-F238E27FC236}">
+                <a16:creationId xmlns:a16="http://schemas.microsoft.com/office/drawing/2014/main" id="{A97DE63F-74C8-4843-99DE-5DC99B25C3F6}"/>
+              </a:ext>
+            </a:extLst>
+          </p:cNvPr>
+          <p:cNvCxnSpPr>
+            <a:stCxn id="91" idx="6"/>
+            <a:endCxn id="92" idx="2"/>
+          </p:cNvCxnSpPr>
+          <p:nvPr/>
+        </p:nvCxnSpPr>
+        <p:spPr>
+          <a:xfrm>
+            <a:off x="966287" y="-1348454"/>
+            <a:ext cx="314476" cy="0"/>
+          </a:xfrm>
+          <a:prstGeom prst="straightConnector1">
+            <a:avLst/>
+          </a:prstGeom>
+          <a:ln>
+            <a:tailEnd type="triangle"/>
+          </a:ln>
+        </p:spPr>
+        <p:style>
+          <a:lnRef idx="1">
+            <a:schemeClr val="accent1"/>
+          </a:lnRef>
+          <a:fillRef idx="0">
+            <a:schemeClr val="accent1"/>
+          </a:fillRef>
+          <a:effectRef idx="0">
+            <a:schemeClr val="accent1"/>
+          </a:effectRef>
+          <a:fontRef idx="minor">
+            <a:schemeClr val="tx1"/>
+          </a:fontRef>
+        </p:style>
+      </p:cxnSp>
+      <p:cxnSp>
+        <p:nvCxnSpPr>
+          <p:cNvPr id="96" name="Straight Arrow Connector 95">
+            <a:extLst>
+              <a:ext uri="{FF2B5EF4-FFF2-40B4-BE49-F238E27FC236}">
+                <a16:creationId xmlns:a16="http://schemas.microsoft.com/office/drawing/2014/main" id="{0B555B0F-97AB-4506-8A4A-28C3413B2DD0}"/>
+              </a:ext>
+            </a:extLst>
+          </p:cNvPr>
+          <p:cNvCxnSpPr>
+            <a:stCxn id="91" idx="4"/>
+            <a:endCxn id="94" idx="0"/>
+          </p:cNvCxnSpPr>
+          <p:nvPr/>
+        </p:nvCxnSpPr>
+        <p:spPr>
+          <a:xfrm>
+            <a:off x="635052" y="-1021024"/>
+            <a:ext cx="982269" cy="249513"/>
+          </a:xfrm>
+          <a:prstGeom prst="straightConnector1">
+            <a:avLst/>
+          </a:prstGeom>
+          <a:ln>
+            <a:tailEnd type="triangle"/>
+          </a:ln>
+        </p:spPr>
+        <p:style>
+          <a:lnRef idx="1">
+            <a:schemeClr val="accent1"/>
+          </a:lnRef>
+          <a:fillRef idx="0">
+            <a:schemeClr val="accent1"/>
+          </a:fillRef>
+          <a:effectRef idx="0">
+            <a:schemeClr val="accent1"/>
+          </a:effectRef>
+          <a:fontRef idx="minor">
+            <a:schemeClr val="tx1"/>
+          </a:fontRef>
+        </p:style>
+      </p:cxnSp>
+      <p:cxnSp>
+        <p:nvCxnSpPr>
+          <p:cNvPr id="97" name="Straight Arrow Connector 96">
+            <a:extLst>
+              <a:ext uri="{FF2B5EF4-FFF2-40B4-BE49-F238E27FC236}">
+                <a16:creationId xmlns:a16="http://schemas.microsoft.com/office/drawing/2014/main" id="{5DDA992E-070A-4319-BFE6-27E47BCF459C}"/>
+              </a:ext>
+            </a:extLst>
+          </p:cNvPr>
+          <p:cNvCxnSpPr>
+            <a:stCxn id="92" idx="4"/>
+            <a:endCxn id="93" idx="0"/>
+          </p:cNvCxnSpPr>
+          <p:nvPr/>
+        </p:nvCxnSpPr>
+        <p:spPr>
+          <a:xfrm flipH="1">
+            <a:off x="640373" y="-1021024"/>
+            <a:ext cx="971626" cy="259177"/>
+          </a:xfrm>
+          <a:prstGeom prst="straightConnector1">
+            <a:avLst/>
+          </a:prstGeom>
+          <a:ln>
+            <a:tailEnd type="triangle"/>
+          </a:ln>
+        </p:spPr>
+        <p:style>
+          <a:lnRef idx="1">
+            <a:schemeClr val="accent1"/>
+          </a:lnRef>
+          <a:fillRef idx="0">
+            <a:schemeClr val="accent1"/>
+          </a:fillRef>
+          <a:effectRef idx="0">
+            <a:schemeClr val="accent1"/>
+          </a:effectRef>
+          <a:fontRef idx="minor">
+            <a:schemeClr val="tx1"/>
+          </a:fontRef>
+        </p:style>
+      </p:cxnSp>
+      <p:sp>
+        <p:nvSpPr>
+          <p:cNvPr id="129" name="Oval 128">
+            <a:extLst>
+              <a:ext uri="{FF2B5EF4-FFF2-40B4-BE49-F238E27FC236}">
+                <a16:creationId xmlns:a16="http://schemas.microsoft.com/office/drawing/2014/main" id="{128CD0E4-0A0A-4900-AE4C-EC56EAC0984A}"/>
+              </a:ext>
+            </a:extLst>
+          </p:cNvPr>
+          <p:cNvSpPr/>
+          <p:nvPr/>
+        </p:nvSpPr>
+        <p:spPr>
+          <a:xfrm>
+            <a:off x="2914372" y="4680505"/>
+            <a:ext cx="662471" cy="654860"/>
+          </a:xfrm>
+          <a:prstGeom prst="ellipse">
+            <a:avLst/>
+          </a:prstGeom>
+          <a:noFill/>
+        </p:spPr>
+        <p:style>
+          <a:lnRef idx="2">
+            <a:schemeClr val="accent1">
+              <a:shade val="50000"/>
+            </a:schemeClr>
+          </a:lnRef>
+          <a:fillRef idx="1">
+            <a:schemeClr val="accent1"/>
+          </a:fillRef>
+          <a:effectRef idx="0">
+            <a:schemeClr val="accent1"/>
+          </a:effectRef>
+          <a:fontRef idx="minor">
+            <a:schemeClr val="lt1"/>
+          </a:fontRef>
+        </p:style>
+        <p:txBody>
+          <a:bodyPr rtlCol="0" anchor="ctr"/>
+          <a:lstStyle/>
+          <a:p>
+            <a:pPr algn="ctr"/>
+            <a:r>
+              <a:rPr lang="en-US" altLang="zh-CN" sz="1100" dirty="0">
+                <a:solidFill>
+                  <a:schemeClr val="tx1"/>
+                </a:solidFill>
+              </a:rPr>
+              <a:t>C11</a:t>
+            </a:r>
+            <a:endParaRPr lang="zh-CN" altLang="en-US" sz="1100" dirty="0">
+              <a:solidFill>
+                <a:schemeClr val="tx1"/>
+              </a:solidFill>
+            </a:endParaRPr>
+          </a:p>
+        </p:txBody>
+      </p:sp>
+      <p:sp>
+        <p:nvSpPr>
+          <p:cNvPr id="130" name="Oval 129">
+            <a:extLst>
+              <a:ext uri="{FF2B5EF4-FFF2-40B4-BE49-F238E27FC236}">
+                <a16:creationId xmlns:a16="http://schemas.microsoft.com/office/drawing/2014/main" id="{ADDA0C39-E08C-4F5F-A6B6-B8E29B225085}"/>
+              </a:ext>
+            </a:extLst>
+          </p:cNvPr>
+          <p:cNvSpPr/>
+          <p:nvPr/>
+        </p:nvSpPr>
+        <p:spPr>
+          <a:xfrm>
+            <a:off x="4441405" y="4677005"/>
+            <a:ext cx="662471" cy="654860"/>
+          </a:xfrm>
+          <a:prstGeom prst="ellipse">
+            <a:avLst/>
+          </a:prstGeom>
+          <a:noFill/>
+        </p:spPr>
+        <p:style>
+          <a:lnRef idx="2">
+            <a:schemeClr val="accent1">
+              <a:shade val="50000"/>
+            </a:schemeClr>
+          </a:lnRef>
+          <a:fillRef idx="1">
+            <a:schemeClr val="accent1"/>
+          </a:fillRef>
+          <a:effectRef idx="0">
+            <a:schemeClr val="accent1"/>
+          </a:effectRef>
+          <a:fontRef idx="minor">
+            <a:schemeClr val="lt1"/>
+          </a:fontRef>
+        </p:style>
+        <p:txBody>
+          <a:bodyPr rtlCol="0" anchor="ctr"/>
+          <a:lstStyle/>
+          <a:p>
+            <a:pPr algn="ctr"/>
+            <a:r>
+              <a:rPr lang="en-US" altLang="zh-CN" sz="1100" dirty="0">
+                <a:solidFill>
+                  <a:schemeClr val="tx1"/>
+                </a:solidFill>
+              </a:rPr>
+              <a:t>C21</a:t>
+            </a:r>
+            <a:endParaRPr lang="zh-CN" altLang="en-US" sz="1100" dirty="0">
+              <a:solidFill>
+                <a:schemeClr val="tx1"/>
+              </a:solidFill>
+            </a:endParaRPr>
+          </a:p>
+        </p:txBody>
+      </p:sp>
+      <p:sp>
+        <p:nvSpPr>
+          <p:cNvPr id="132" name="Oval 131">
+            <a:extLst>
+              <a:ext uri="{FF2B5EF4-FFF2-40B4-BE49-F238E27FC236}">
+                <a16:creationId xmlns:a16="http://schemas.microsoft.com/office/drawing/2014/main" id="{707B5B8C-98AA-4E8C-87EC-8714B9150A5D}"/>
+              </a:ext>
+            </a:extLst>
+          </p:cNvPr>
+          <p:cNvSpPr/>
+          <p:nvPr/>
+        </p:nvSpPr>
+        <p:spPr>
+          <a:xfrm>
+            <a:off x="5109458" y="5799492"/>
+            <a:ext cx="662471" cy="654860"/>
+          </a:xfrm>
+          <a:prstGeom prst="ellipse">
+            <a:avLst/>
+          </a:prstGeom>
+          <a:noFill/>
+        </p:spPr>
+        <p:style>
+          <a:lnRef idx="2">
+            <a:schemeClr val="accent1">
+              <a:shade val="50000"/>
+            </a:schemeClr>
+          </a:lnRef>
+          <a:fillRef idx="1">
+            <a:schemeClr val="accent1"/>
+          </a:fillRef>
+          <a:effectRef idx="0">
+            <a:schemeClr val="accent1"/>
+          </a:effectRef>
+          <a:fontRef idx="minor">
+            <a:schemeClr val="lt1"/>
+          </a:fontRef>
+        </p:style>
+        <p:txBody>
+          <a:bodyPr rtlCol="0" anchor="ctr"/>
+          <a:lstStyle/>
+          <a:p>
+            <a:pPr algn="ctr"/>
+            <a:r>
+              <a:rPr lang="en-US" altLang="zh-CN" sz="1100" dirty="0">
+                <a:solidFill>
+                  <a:schemeClr val="tx1"/>
+                </a:solidFill>
+              </a:rPr>
+              <a:t>E2</a:t>
+            </a:r>
+            <a:endParaRPr lang="zh-CN" altLang="en-US" sz="1100" dirty="0">
+              <a:solidFill>
+                <a:schemeClr val="tx1"/>
+              </a:solidFill>
+            </a:endParaRPr>
+          </a:p>
+        </p:txBody>
+      </p:sp>
+      <p:sp>
+        <p:nvSpPr>
+          <p:cNvPr id="134" name="Oval 133">
+            <a:extLst>
+              <a:ext uri="{FF2B5EF4-FFF2-40B4-BE49-F238E27FC236}">
+                <a16:creationId xmlns:a16="http://schemas.microsoft.com/office/drawing/2014/main" id="{DE74EC1A-557C-4800-B80C-066F8786C4C8}"/>
+              </a:ext>
+            </a:extLst>
+          </p:cNvPr>
+          <p:cNvSpPr/>
+          <p:nvPr/>
+        </p:nvSpPr>
+        <p:spPr>
+          <a:xfrm>
+            <a:off x="3607592" y="5761047"/>
+            <a:ext cx="662471" cy="654860"/>
+          </a:xfrm>
+          <a:prstGeom prst="ellipse">
+            <a:avLst/>
+          </a:prstGeom>
+          <a:noFill/>
+        </p:spPr>
+        <p:style>
+          <a:lnRef idx="2">
+            <a:schemeClr val="accent1">
+              <a:shade val="50000"/>
+            </a:schemeClr>
+          </a:lnRef>
+          <a:fillRef idx="1">
+            <a:schemeClr val="accent1"/>
+          </a:fillRef>
+          <a:effectRef idx="0">
+            <a:schemeClr val="accent1"/>
+          </a:effectRef>
+          <a:fontRef idx="minor">
+            <a:schemeClr val="lt1"/>
+          </a:fontRef>
+        </p:style>
+        <p:txBody>
+          <a:bodyPr rtlCol="0" anchor="ctr"/>
+          <a:lstStyle/>
+          <a:p>
+            <a:pPr algn="ctr"/>
+            <a:r>
+              <a:rPr lang="en-US" altLang="zh-CN" sz="1100" dirty="0">
+                <a:solidFill>
+                  <a:schemeClr val="tx1"/>
+                </a:solidFill>
+              </a:rPr>
+              <a:t>E1</a:t>
+            </a:r>
+            <a:endParaRPr lang="zh-CN" altLang="en-US" sz="1100" dirty="0">
+              <a:solidFill>
+                <a:schemeClr val="tx1"/>
+              </a:solidFill>
+            </a:endParaRPr>
+          </a:p>
+        </p:txBody>
+      </p:sp>
+      <p:cxnSp>
+        <p:nvCxnSpPr>
+          <p:cNvPr id="136" name="Straight Arrow Connector 135">
+            <a:extLst>
+              <a:ext uri="{FF2B5EF4-FFF2-40B4-BE49-F238E27FC236}">
+                <a16:creationId xmlns:a16="http://schemas.microsoft.com/office/drawing/2014/main" id="{EE42EC46-E312-4767-96BC-BDC0A7A93AB3}"/>
+              </a:ext>
+            </a:extLst>
+          </p:cNvPr>
+          <p:cNvCxnSpPr>
+            <a:cxnSpLocks/>
+            <a:stCxn id="129" idx="4"/>
+            <a:endCxn id="134" idx="0"/>
+          </p:cNvCxnSpPr>
+          <p:nvPr/>
+        </p:nvCxnSpPr>
+        <p:spPr>
+          <a:xfrm>
+            <a:off x="3245608" y="5335365"/>
+            <a:ext cx="693220" cy="425682"/>
+          </a:xfrm>
+          <a:prstGeom prst="straightConnector1">
+            <a:avLst/>
+          </a:prstGeom>
+          <a:ln>
+            <a:tailEnd type="triangle"/>
+          </a:ln>
+        </p:spPr>
+        <p:style>
+          <a:lnRef idx="1">
+            <a:schemeClr val="accent1"/>
+          </a:lnRef>
+          <a:fillRef idx="0">
+            <a:schemeClr val="accent1"/>
+          </a:fillRef>
+          <a:effectRef idx="0">
+            <a:schemeClr val="accent1"/>
+          </a:effectRef>
+          <a:fontRef idx="minor">
+            <a:schemeClr val="tx1"/>
+          </a:fontRef>
+        </p:style>
+      </p:cxnSp>
+      <p:cxnSp>
+        <p:nvCxnSpPr>
+          <p:cNvPr id="138" name="Straight Arrow Connector 137">
+            <a:extLst>
+              <a:ext uri="{FF2B5EF4-FFF2-40B4-BE49-F238E27FC236}">
+                <a16:creationId xmlns:a16="http://schemas.microsoft.com/office/drawing/2014/main" id="{DE9C63A1-3094-4E25-A4C6-A3A9A5AA20EE}"/>
+              </a:ext>
+            </a:extLst>
+          </p:cNvPr>
+          <p:cNvCxnSpPr>
+            <a:stCxn id="130" idx="4"/>
+            <a:endCxn id="132" idx="0"/>
+          </p:cNvCxnSpPr>
+          <p:nvPr/>
+        </p:nvCxnSpPr>
+        <p:spPr>
+          <a:xfrm>
+            <a:off x="4772641" y="5331865"/>
+            <a:ext cx="668053" cy="467627"/>
+          </a:xfrm>
+          <a:prstGeom prst="straightConnector1">
+            <a:avLst/>
+          </a:prstGeom>
+          <a:ln>
+            <a:tailEnd type="triangle"/>
+          </a:ln>
+        </p:spPr>
+        <p:style>
+          <a:lnRef idx="1">
+            <a:schemeClr val="accent1"/>
+          </a:lnRef>
+          <a:fillRef idx="0">
+            <a:schemeClr val="accent1"/>
+          </a:fillRef>
+          <a:effectRef idx="0">
+            <a:schemeClr val="accent1"/>
+          </a:effectRef>
+          <a:fontRef idx="minor">
+            <a:schemeClr val="tx1"/>
+          </a:fontRef>
+        </p:style>
+      </p:cxnSp>
+      <p:sp>
+        <p:nvSpPr>
+          <p:cNvPr id="140" name="Oval 139">
+            <a:extLst>
+              <a:ext uri="{FF2B5EF4-FFF2-40B4-BE49-F238E27FC236}">
+                <a16:creationId xmlns:a16="http://schemas.microsoft.com/office/drawing/2014/main" id="{EA28F591-8052-4D17-9C93-58D3DE77EBAD}"/>
+              </a:ext>
+            </a:extLst>
+          </p:cNvPr>
+          <p:cNvSpPr/>
+          <p:nvPr/>
+        </p:nvSpPr>
+        <p:spPr>
+          <a:xfrm>
+            <a:off x="3311941" y="4037228"/>
+            <a:ext cx="662471" cy="654860"/>
+          </a:xfrm>
+          <a:prstGeom prst="ellipse">
+            <a:avLst/>
+          </a:prstGeom>
+          <a:noFill/>
+        </p:spPr>
+        <p:style>
+          <a:lnRef idx="2">
+            <a:schemeClr val="accent1">
+              <a:shade val="50000"/>
+            </a:schemeClr>
+          </a:lnRef>
+          <a:fillRef idx="1">
+            <a:schemeClr val="accent1"/>
+          </a:fillRef>
+          <a:effectRef idx="0">
+            <a:schemeClr val="accent1"/>
+          </a:effectRef>
+          <a:fontRef idx="minor">
+            <a:schemeClr val="lt1"/>
+          </a:fontRef>
+        </p:style>
+        <p:txBody>
+          <a:bodyPr rtlCol="0" anchor="ctr"/>
+          <a:lstStyle/>
+          <a:p>
+            <a:pPr algn="ctr"/>
+            <a:r>
+              <a:rPr lang="en-US" altLang="zh-CN" sz="1100" dirty="0">
+                <a:solidFill>
+                  <a:schemeClr val="tx1"/>
+                </a:solidFill>
+              </a:rPr>
+              <a:t>C12</a:t>
+            </a:r>
+            <a:endParaRPr lang="zh-CN" altLang="en-US" sz="1100" dirty="0">
+              <a:solidFill>
+                <a:schemeClr val="tx1"/>
+              </a:solidFill>
+            </a:endParaRPr>
+          </a:p>
+        </p:txBody>
+      </p:sp>
+      <p:sp>
+        <p:nvSpPr>
+          <p:cNvPr id="142" name="Oval 141">
+            <a:extLst>
+              <a:ext uri="{FF2B5EF4-FFF2-40B4-BE49-F238E27FC236}">
+                <a16:creationId xmlns:a16="http://schemas.microsoft.com/office/drawing/2014/main" id="{675D9EAF-01F8-4E6B-9425-155D282406A0}"/>
+              </a:ext>
+            </a:extLst>
+          </p:cNvPr>
+          <p:cNvSpPr/>
+          <p:nvPr/>
+        </p:nvSpPr>
+        <p:spPr>
+          <a:xfrm>
+            <a:off x="3714101" y="3434686"/>
+            <a:ext cx="662471" cy="654860"/>
+          </a:xfrm>
+          <a:prstGeom prst="ellipse">
+            <a:avLst/>
+          </a:prstGeom>
+          <a:noFill/>
+        </p:spPr>
+        <p:style>
+          <a:lnRef idx="2">
+            <a:schemeClr val="accent1">
+              <a:shade val="50000"/>
+            </a:schemeClr>
+          </a:lnRef>
+          <a:fillRef idx="1">
+            <a:schemeClr val="accent1"/>
+          </a:fillRef>
+          <a:effectRef idx="0">
+            <a:schemeClr val="accent1"/>
+          </a:effectRef>
+          <a:fontRef idx="minor">
+            <a:schemeClr val="lt1"/>
+          </a:fontRef>
+        </p:style>
+        <p:txBody>
+          <a:bodyPr rtlCol="0" anchor="ctr"/>
+          <a:lstStyle/>
+          <a:p>
+            <a:pPr algn="ctr"/>
+            <a:r>
+              <a:rPr lang="en-US" altLang="zh-CN" sz="1100" dirty="0">
+                <a:solidFill>
+                  <a:schemeClr val="tx1"/>
+                </a:solidFill>
+              </a:rPr>
+              <a:t>C13</a:t>
+            </a:r>
+            <a:endParaRPr lang="zh-CN" altLang="en-US" sz="1100" dirty="0">
+              <a:solidFill>
+                <a:schemeClr val="tx1"/>
+              </a:solidFill>
+            </a:endParaRPr>
+          </a:p>
+        </p:txBody>
+      </p:sp>
+      <p:sp>
+        <p:nvSpPr>
+          <p:cNvPr id="143" name="Oval 142">
+            <a:extLst>
+              <a:ext uri="{FF2B5EF4-FFF2-40B4-BE49-F238E27FC236}">
+                <a16:creationId xmlns:a16="http://schemas.microsoft.com/office/drawing/2014/main" id="{4EF90D92-D32E-4021-84AF-142EE0CFB763}"/>
+              </a:ext>
+            </a:extLst>
+          </p:cNvPr>
+          <p:cNvSpPr/>
+          <p:nvPr/>
+        </p:nvSpPr>
+        <p:spPr>
+          <a:xfrm>
+            <a:off x="4820159" y="4037228"/>
+            <a:ext cx="662471" cy="654860"/>
+          </a:xfrm>
+          <a:prstGeom prst="ellipse">
+            <a:avLst/>
+          </a:prstGeom>
+          <a:noFill/>
+        </p:spPr>
+        <p:style>
+          <a:lnRef idx="2">
+            <a:schemeClr val="accent1">
+              <a:shade val="50000"/>
+            </a:schemeClr>
+          </a:lnRef>
+          <a:fillRef idx="1">
+            <a:schemeClr val="accent1"/>
+          </a:fillRef>
+          <a:effectRef idx="0">
+            <a:schemeClr val="accent1"/>
+          </a:effectRef>
+          <a:fontRef idx="minor">
+            <a:schemeClr val="lt1"/>
+          </a:fontRef>
+        </p:style>
+        <p:txBody>
+          <a:bodyPr rtlCol="0" anchor="ctr"/>
+          <a:lstStyle/>
+          <a:p>
+            <a:pPr algn="ctr"/>
+            <a:r>
+              <a:rPr lang="en-US" altLang="zh-CN" sz="1100" dirty="0">
+                <a:solidFill>
+                  <a:schemeClr val="tx1"/>
+                </a:solidFill>
+              </a:rPr>
+              <a:t>C22</a:t>
+            </a:r>
+            <a:endParaRPr lang="zh-CN" altLang="en-US" sz="1100" dirty="0">
+              <a:solidFill>
+                <a:schemeClr val="tx1"/>
+              </a:solidFill>
+            </a:endParaRPr>
+          </a:p>
+        </p:txBody>
+      </p:sp>
+      <p:sp>
+        <p:nvSpPr>
+          <p:cNvPr id="144" name="Oval 143">
+            <a:extLst>
+              <a:ext uri="{FF2B5EF4-FFF2-40B4-BE49-F238E27FC236}">
+                <a16:creationId xmlns:a16="http://schemas.microsoft.com/office/drawing/2014/main" id="{FB5518AB-9BAD-4EFB-A2BE-420C09BD808F}"/>
+              </a:ext>
+            </a:extLst>
+          </p:cNvPr>
+          <p:cNvSpPr/>
+          <p:nvPr/>
+        </p:nvSpPr>
+        <p:spPr>
+          <a:xfrm>
+            <a:off x="5213930" y="3439476"/>
+            <a:ext cx="662471" cy="654860"/>
+          </a:xfrm>
+          <a:prstGeom prst="ellipse">
+            <a:avLst/>
+          </a:prstGeom>
+          <a:noFill/>
+        </p:spPr>
+        <p:style>
+          <a:lnRef idx="2">
+            <a:schemeClr val="accent1">
+              <a:shade val="50000"/>
+            </a:schemeClr>
+          </a:lnRef>
+          <a:fillRef idx="1">
+            <a:schemeClr val="accent1"/>
+          </a:fillRef>
+          <a:effectRef idx="0">
+            <a:schemeClr val="accent1"/>
+          </a:effectRef>
+          <a:fontRef idx="minor">
+            <a:schemeClr val="lt1"/>
+          </a:fontRef>
+        </p:style>
+        <p:txBody>
+          <a:bodyPr rtlCol="0" anchor="ctr"/>
+          <a:lstStyle/>
+          <a:p>
+            <a:pPr algn="ctr"/>
+            <a:r>
+              <a:rPr lang="en-US" altLang="zh-CN" sz="1100" dirty="0">
+                <a:solidFill>
+                  <a:schemeClr val="tx1"/>
+                </a:solidFill>
+              </a:rPr>
+              <a:t>C23</a:t>
+            </a:r>
+            <a:endParaRPr lang="zh-CN" altLang="en-US" sz="1100" dirty="0">
+              <a:solidFill>
+                <a:schemeClr val="tx1"/>
+              </a:solidFill>
+            </a:endParaRPr>
+          </a:p>
+        </p:txBody>
+      </p:sp>
+      <p:cxnSp>
+        <p:nvCxnSpPr>
+          <p:cNvPr id="17" name="Straight Arrow Connector 16">
+            <a:extLst>
+              <a:ext uri="{FF2B5EF4-FFF2-40B4-BE49-F238E27FC236}">
+                <a16:creationId xmlns:a16="http://schemas.microsoft.com/office/drawing/2014/main" id="{89A17916-B5FC-47C3-8A79-FB53585292C9}"/>
+              </a:ext>
+            </a:extLst>
+          </p:cNvPr>
+          <p:cNvCxnSpPr>
+            <a:cxnSpLocks/>
+            <a:stCxn id="140" idx="4"/>
+            <a:endCxn id="134" idx="0"/>
+          </p:cNvCxnSpPr>
+          <p:nvPr/>
+        </p:nvCxnSpPr>
+        <p:spPr>
+          <a:xfrm>
+            <a:off x="3643177" y="4692088"/>
+            <a:ext cx="295651" cy="1068959"/>
+          </a:xfrm>
+          <a:prstGeom prst="straightConnector1">
+            <a:avLst/>
+          </a:prstGeom>
+          <a:ln>
+            <a:tailEnd type="triangle"/>
+          </a:ln>
+        </p:spPr>
+        <p:style>
+          <a:lnRef idx="1">
+            <a:schemeClr val="accent1"/>
+          </a:lnRef>
+          <a:fillRef idx="0">
+            <a:schemeClr val="accent1"/>
+          </a:fillRef>
+          <a:effectRef idx="0">
+            <a:schemeClr val="accent1"/>
+          </a:effectRef>
+          <a:fontRef idx="minor">
+            <a:schemeClr val="tx1"/>
+          </a:fontRef>
+        </p:style>
+      </p:cxnSp>
+      <p:cxnSp>
+        <p:nvCxnSpPr>
+          <p:cNvPr id="19" name="Straight Arrow Connector 18">
+            <a:extLst>
+              <a:ext uri="{FF2B5EF4-FFF2-40B4-BE49-F238E27FC236}">
+                <a16:creationId xmlns:a16="http://schemas.microsoft.com/office/drawing/2014/main" id="{8351DE1E-F7AF-4AF1-B5A0-8E30737ED5FE}"/>
+              </a:ext>
+            </a:extLst>
+          </p:cNvPr>
+          <p:cNvCxnSpPr>
+            <a:stCxn id="142" idx="4"/>
+            <a:endCxn id="134" idx="0"/>
+          </p:cNvCxnSpPr>
+          <p:nvPr/>
+        </p:nvCxnSpPr>
+        <p:spPr>
+          <a:xfrm flipH="1">
+            <a:off x="3938828" y="4089546"/>
+            <a:ext cx="106509" cy="1671501"/>
+          </a:xfrm>
+          <a:prstGeom prst="straightConnector1">
+            <a:avLst/>
+          </a:prstGeom>
+          <a:ln>
+            <a:tailEnd type="triangle"/>
+          </a:ln>
+        </p:spPr>
+        <p:style>
+          <a:lnRef idx="1">
+            <a:schemeClr val="accent1"/>
+          </a:lnRef>
+          <a:fillRef idx="0">
+            <a:schemeClr val="accent1"/>
+          </a:fillRef>
+          <a:effectRef idx="0">
+            <a:schemeClr val="accent1"/>
+          </a:effectRef>
+          <a:fontRef idx="minor">
+            <a:schemeClr val="tx1"/>
+          </a:fontRef>
+        </p:style>
+      </p:cxnSp>
+      <p:cxnSp>
+        <p:nvCxnSpPr>
+          <p:cNvPr id="26" name="Straight Arrow Connector 25">
+            <a:extLst>
+              <a:ext uri="{FF2B5EF4-FFF2-40B4-BE49-F238E27FC236}">
+                <a16:creationId xmlns:a16="http://schemas.microsoft.com/office/drawing/2014/main" id="{D4C8276F-7F00-4BD7-9CAA-92B51EDEC759}"/>
+              </a:ext>
+            </a:extLst>
+          </p:cNvPr>
+          <p:cNvCxnSpPr>
+            <a:stCxn id="143" idx="4"/>
+            <a:endCxn id="132" idx="0"/>
+          </p:cNvCxnSpPr>
+          <p:nvPr/>
+        </p:nvCxnSpPr>
+        <p:spPr>
+          <a:xfrm>
+            <a:off x="5151395" y="4692088"/>
+            <a:ext cx="289299" cy="1107404"/>
+          </a:xfrm>
+          <a:prstGeom prst="straightConnector1">
+            <a:avLst/>
+          </a:prstGeom>
+          <a:ln>
+            <a:tailEnd type="triangle"/>
+          </a:ln>
+        </p:spPr>
+        <p:style>
+          <a:lnRef idx="1">
+            <a:schemeClr val="accent1"/>
+          </a:lnRef>
+          <a:fillRef idx="0">
+            <a:schemeClr val="accent1"/>
+          </a:fillRef>
+          <a:effectRef idx="0">
+            <a:schemeClr val="accent1"/>
+          </a:effectRef>
+          <a:fontRef idx="minor">
+            <a:schemeClr val="tx1"/>
+          </a:fontRef>
+        </p:style>
+      </p:cxnSp>
+      <p:cxnSp>
+        <p:nvCxnSpPr>
+          <p:cNvPr id="29" name="Straight Arrow Connector 28">
+            <a:extLst>
+              <a:ext uri="{FF2B5EF4-FFF2-40B4-BE49-F238E27FC236}">
+                <a16:creationId xmlns:a16="http://schemas.microsoft.com/office/drawing/2014/main" id="{DC4424E4-C763-42B8-A111-6735919358A0}"/>
+              </a:ext>
+            </a:extLst>
+          </p:cNvPr>
+          <p:cNvCxnSpPr>
+            <a:stCxn id="144" idx="4"/>
+            <a:endCxn id="132" idx="0"/>
+          </p:cNvCxnSpPr>
+          <p:nvPr/>
+        </p:nvCxnSpPr>
+        <p:spPr>
+          <a:xfrm flipH="1">
+            <a:off x="5440694" y="4094336"/>
+            <a:ext cx="104472" cy="1705156"/>
+          </a:xfrm>
+          <a:prstGeom prst="straightConnector1">
+            <a:avLst/>
+          </a:prstGeom>
+          <a:ln>
+            <a:tailEnd type="triangle"/>
+          </a:ln>
+        </p:spPr>
+        <p:style>
+          <a:lnRef idx="1">
+            <a:schemeClr val="accent1"/>
+          </a:lnRef>
+          <a:fillRef idx="0">
+            <a:schemeClr val="accent1"/>
+          </a:fillRef>
+          <a:effectRef idx="0">
+            <a:schemeClr val="accent1"/>
+          </a:effectRef>
+          <a:fontRef idx="minor">
+            <a:schemeClr val="tx1"/>
+          </a:fontRef>
+        </p:style>
+      </p:cxnSp>
+      <p:sp>
+        <p:nvSpPr>
+          <p:cNvPr id="148" name="Oval 147">
+            <a:extLst>
+              <a:ext uri="{FF2B5EF4-FFF2-40B4-BE49-F238E27FC236}">
+                <a16:creationId xmlns:a16="http://schemas.microsoft.com/office/drawing/2014/main" id="{5C07376D-FFA3-4622-9957-0B45B27606AF}"/>
+              </a:ext>
+            </a:extLst>
+          </p:cNvPr>
+          <p:cNvSpPr/>
+          <p:nvPr/>
+        </p:nvSpPr>
+        <p:spPr>
+          <a:xfrm>
+            <a:off x="5868933" y="4686792"/>
+            <a:ext cx="662471" cy="654860"/>
+          </a:xfrm>
+          <a:prstGeom prst="ellipse">
+            <a:avLst/>
+          </a:prstGeom>
+          <a:noFill/>
+        </p:spPr>
+        <p:style>
+          <a:lnRef idx="2">
+            <a:schemeClr val="accent1">
+              <a:shade val="50000"/>
+            </a:schemeClr>
+          </a:lnRef>
+          <a:fillRef idx="1">
+            <a:schemeClr val="accent1"/>
+          </a:fillRef>
+          <a:effectRef idx="0">
+            <a:schemeClr val="accent1"/>
+          </a:effectRef>
+          <a:fontRef idx="minor">
+            <a:schemeClr val="lt1"/>
+          </a:fontRef>
+        </p:style>
+        <p:txBody>
+          <a:bodyPr rtlCol="0" anchor="ctr"/>
+          <a:lstStyle/>
+          <a:p>
+            <a:pPr algn="ctr"/>
+            <a:r>
+              <a:rPr lang="en-US" altLang="zh-CN" sz="1100" dirty="0">
+                <a:solidFill>
+                  <a:schemeClr val="tx1"/>
+                </a:solidFill>
+              </a:rPr>
+              <a:t>C31</a:t>
+            </a:r>
+            <a:endParaRPr lang="zh-CN" altLang="en-US" sz="1100" dirty="0">
+              <a:solidFill>
+                <a:schemeClr val="tx1"/>
+              </a:solidFill>
+            </a:endParaRPr>
+          </a:p>
+        </p:txBody>
+      </p:sp>
+      <p:sp>
+        <p:nvSpPr>
+          <p:cNvPr id="149" name="Oval 148">
+            <a:extLst>
+              <a:ext uri="{FF2B5EF4-FFF2-40B4-BE49-F238E27FC236}">
+                <a16:creationId xmlns:a16="http://schemas.microsoft.com/office/drawing/2014/main" id="{1E293CA3-B8F3-4FA1-A283-56C790541260}"/>
+              </a:ext>
+            </a:extLst>
+          </p:cNvPr>
+          <p:cNvSpPr/>
+          <p:nvPr/>
+        </p:nvSpPr>
+        <p:spPr>
+          <a:xfrm>
+            <a:off x="6536986" y="5809279"/>
+            <a:ext cx="662471" cy="654860"/>
+          </a:xfrm>
+          <a:prstGeom prst="ellipse">
+            <a:avLst/>
+          </a:prstGeom>
+          <a:noFill/>
+        </p:spPr>
+        <p:style>
+          <a:lnRef idx="2">
+            <a:schemeClr val="accent1">
+              <a:shade val="50000"/>
+            </a:schemeClr>
+          </a:lnRef>
+          <a:fillRef idx="1">
+            <a:schemeClr val="accent1"/>
+          </a:fillRef>
+          <a:effectRef idx="0">
+            <a:schemeClr val="accent1"/>
+          </a:effectRef>
+          <a:fontRef idx="minor">
+            <a:schemeClr val="lt1"/>
+          </a:fontRef>
+        </p:style>
+        <p:txBody>
+          <a:bodyPr rtlCol="0" anchor="ctr"/>
+          <a:lstStyle/>
+          <a:p>
+            <a:pPr algn="ctr"/>
+            <a:r>
+              <a:rPr lang="en-US" altLang="zh-CN" sz="1100" dirty="0">
+                <a:solidFill>
+                  <a:schemeClr val="tx1"/>
+                </a:solidFill>
+              </a:rPr>
+              <a:t>E3</a:t>
+            </a:r>
+            <a:endParaRPr lang="zh-CN" altLang="en-US" sz="1100" dirty="0">
+              <a:solidFill>
+                <a:schemeClr val="tx1"/>
+              </a:solidFill>
+            </a:endParaRPr>
+          </a:p>
+        </p:txBody>
+      </p:sp>
+      <p:cxnSp>
+        <p:nvCxnSpPr>
+          <p:cNvPr id="150" name="Straight Arrow Connector 149">
+            <a:extLst>
+              <a:ext uri="{FF2B5EF4-FFF2-40B4-BE49-F238E27FC236}">
+                <a16:creationId xmlns:a16="http://schemas.microsoft.com/office/drawing/2014/main" id="{1AFA570C-AE14-4AC5-B201-5C7A0FA827E5}"/>
+              </a:ext>
+            </a:extLst>
+          </p:cNvPr>
+          <p:cNvCxnSpPr>
+            <a:stCxn id="148" idx="4"/>
+            <a:endCxn id="149" idx="0"/>
+          </p:cNvCxnSpPr>
+          <p:nvPr/>
+        </p:nvCxnSpPr>
+        <p:spPr>
+          <a:xfrm>
+            <a:off x="6200169" y="5341652"/>
+            <a:ext cx="668053" cy="467627"/>
+          </a:xfrm>
+          <a:prstGeom prst="straightConnector1">
+            <a:avLst/>
+          </a:prstGeom>
+          <a:ln>
+            <a:tailEnd type="triangle"/>
+          </a:ln>
+        </p:spPr>
+        <p:style>
+          <a:lnRef idx="1">
+            <a:schemeClr val="accent1"/>
+          </a:lnRef>
+          <a:fillRef idx="0">
+            <a:schemeClr val="accent1"/>
+          </a:fillRef>
+          <a:effectRef idx="0">
+            <a:schemeClr val="accent1"/>
+          </a:effectRef>
+          <a:fontRef idx="minor">
+            <a:schemeClr val="tx1"/>
+          </a:fontRef>
+        </p:style>
+      </p:cxnSp>
+      <p:sp>
+        <p:nvSpPr>
+          <p:cNvPr id="151" name="Oval 150">
+            <a:extLst>
+              <a:ext uri="{FF2B5EF4-FFF2-40B4-BE49-F238E27FC236}">
+                <a16:creationId xmlns:a16="http://schemas.microsoft.com/office/drawing/2014/main" id="{224E6503-0E30-414C-AE51-B79518311396}"/>
+              </a:ext>
+            </a:extLst>
+          </p:cNvPr>
+          <p:cNvSpPr/>
+          <p:nvPr/>
+        </p:nvSpPr>
+        <p:spPr>
+          <a:xfrm>
+            <a:off x="6247687" y="4047015"/>
+            <a:ext cx="662471" cy="654860"/>
+          </a:xfrm>
+          <a:prstGeom prst="ellipse">
+            <a:avLst/>
+          </a:prstGeom>
+          <a:noFill/>
+        </p:spPr>
+        <p:style>
+          <a:lnRef idx="2">
+            <a:schemeClr val="accent1">
+              <a:shade val="50000"/>
+            </a:schemeClr>
+          </a:lnRef>
+          <a:fillRef idx="1">
+            <a:schemeClr val="accent1"/>
+          </a:fillRef>
+          <a:effectRef idx="0">
+            <a:schemeClr val="accent1"/>
+          </a:effectRef>
+          <a:fontRef idx="minor">
+            <a:schemeClr val="lt1"/>
+          </a:fontRef>
+        </p:style>
+        <p:txBody>
+          <a:bodyPr rtlCol="0" anchor="ctr"/>
+          <a:lstStyle/>
+          <a:p>
+            <a:pPr algn="ctr"/>
+            <a:r>
+              <a:rPr lang="en-US" altLang="zh-CN" sz="1100" dirty="0">
+                <a:solidFill>
+                  <a:schemeClr val="tx1"/>
+                </a:solidFill>
+              </a:rPr>
+              <a:t>C32</a:t>
+            </a:r>
+            <a:endParaRPr lang="zh-CN" altLang="en-US" sz="1100" dirty="0">
+              <a:solidFill>
+                <a:schemeClr val="tx1"/>
+              </a:solidFill>
+            </a:endParaRPr>
+          </a:p>
+        </p:txBody>
+      </p:sp>
+      <p:sp>
+        <p:nvSpPr>
+          <p:cNvPr id="152" name="Oval 151">
+            <a:extLst>
+              <a:ext uri="{FF2B5EF4-FFF2-40B4-BE49-F238E27FC236}">
+                <a16:creationId xmlns:a16="http://schemas.microsoft.com/office/drawing/2014/main" id="{DC2A0EC0-2EAB-4A31-B2BB-A49684C50DA4}"/>
+              </a:ext>
+            </a:extLst>
+          </p:cNvPr>
+          <p:cNvSpPr/>
+          <p:nvPr/>
+        </p:nvSpPr>
+        <p:spPr>
+          <a:xfrm>
+            <a:off x="6641458" y="3449263"/>
+            <a:ext cx="662471" cy="654860"/>
+          </a:xfrm>
+          <a:prstGeom prst="ellipse">
+            <a:avLst/>
+          </a:prstGeom>
+          <a:noFill/>
+        </p:spPr>
+        <p:style>
+          <a:lnRef idx="2">
+            <a:schemeClr val="accent1">
+              <a:shade val="50000"/>
+            </a:schemeClr>
+          </a:lnRef>
+          <a:fillRef idx="1">
+            <a:schemeClr val="accent1"/>
+          </a:fillRef>
+          <a:effectRef idx="0">
+            <a:schemeClr val="accent1"/>
+          </a:effectRef>
+          <a:fontRef idx="minor">
+            <a:schemeClr val="lt1"/>
+          </a:fontRef>
+        </p:style>
+        <p:txBody>
+          <a:bodyPr rtlCol="0" anchor="ctr"/>
+          <a:lstStyle/>
+          <a:p>
+            <a:pPr algn="ctr"/>
+            <a:r>
+              <a:rPr lang="en-US" altLang="zh-CN" sz="1100" dirty="0">
+                <a:solidFill>
+                  <a:schemeClr val="tx1"/>
+                </a:solidFill>
+              </a:rPr>
+              <a:t>C33</a:t>
+            </a:r>
+            <a:endParaRPr lang="zh-CN" altLang="en-US" sz="1100" dirty="0">
+              <a:solidFill>
+                <a:schemeClr val="tx1"/>
+              </a:solidFill>
+            </a:endParaRPr>
+          </a:p>
+        </p:txBody>
+      </p:sp>
+      <p:cxnSp>
+        <p:nvCxnSpPr>
+          <p:cNvPr id="153" name="Straight Arrow Connector 152">
+            <a:extLst>
+              <a:ext uri="{FF2B5EF4-FFF2-40B4-BE49-F238E27FC236}">
+                <a16:creationId xmlns:a16="http://schemas.microsoft.com/office/drawing/2014/main" id="{7C119948-A3D6-4D1C-B459-ED77219CCA91}"/>
+              </a:ext>
+            </a:extLst>
+          </p:cNvPr>
+          <p:cNvCxnSpPr>
+            <a:stCxn id="151" idx="4"/>
+            <a:endCxn id="149" idx="0"/>
+          </p:cNvCxnSpPr>
+          <p:nvPr/>
+        </p:nvCxnSpPr>
+        <p:spPr>
+          <a:xfrm>
+            <a:off x="6578923" y="4701875"/>
+            <a:ext cx="289299" cy="1107404"/>
+          </a:xfrm>
+          <a:prstGeom prst="straightConnector1">
+            <a:avLst/>
+          </a:prstGeom>
+          <a:ln>
+            <a:tailEnd type="triangle"/>
+          </a:ln>
+        </p:spPr>
+        <p:style>
+          <a:lnRef idx="1">
+            <a:schemeClr val="accent1"/>
+          </a:lnRef>
+          <a:fillRef idx="0">
+            <a:schemeClr val="accent1"/>
+          </a:fillRef>
+          <a:effectRef idx="0">
+            <a:schemeClr val="accent1"/>
+          </a:effectRef>
+          <a:fontRef idx="minor">
+            <a:schemeClr val="tx1"/>
+          </a:fontRef>
+        </p:style>
+      </p:cxnSp>
+      <p:cxnSp>
+        <p:nvCxnSpPr>
+          <p:cNvPr id="154" name="Straight Arrow Connector 153">
+            <a:extLst>
+              <a:ext uri="{FF2B5EF4-FFF2-40B4-BE49-F238E27FC236}">
+                <a16:creationId xmlns:a16="http://schemas.microsoft.com/office/drawing/2014/main" id="{56577382-0C8F-4D7F-8AC6-4BF8CEBCF539}"/>
+              </a:ext>
+            </a:extLst>
+          </p:cNvPr>
+          <p:cNvCxnSpPr>
+            <a:stCxn id="152" idx="4"/>
+            <a:endCxn id="149" idx="0"/>
+          </p:cNvCxnSpPr>
+          <p:nvPr/>
+        </p:nvCxnSpPr>
+        <p:spPr>
+          <a:xfrm flipH="1">
+            <a:off x="6868222" y="4104123"/>
+            <a:ext cx="104472" cy="1705156"/>
+          </a:xfrm>
+          <a:prstGeom prst="straightConnector1">
+            <a:avLst/>
+          </a:prstGeom>
+          <a:ln>
+            <a:tailEnd type="triangle"/>
+          </a:ln>
+        </p:spPr>
+        <p:style>
+          <a:lnRef idx="1">
+            <a:schemeClr val="accent1"/>
+          </a:lnRef>
+          <a:fillRef idx="0">
+            <a:schemeClr val="accent1"/>
+          </a:fillRef>
+          <a:effectRef idx="0">
+            <a:schemeClr val="accent1"/>
+          </a:effectRef>
+          <a:fontRef idx="minor">
+            <a:schemeClr val="tx1"/>
+          </a:fontRef>
+        </p:style>
+      </p:cxnSp>
+      <p:sp>
+        <p:nvSpPr>
+          <p:cNvPr id="155" name="Oval 154">
+            <a:extLst>
+              <a:ext uri="{FF2B5EF4-FFF2-40B4-BE49-F238E27FC236}">
+                <a16:creationId xmlns:a16="http://schemas.microsoft.com/office/drawing/2014/main" id="{0915E8B2-E62F-43BE-A279-CC0DAA286E22}"/>
+              </a:ext>
+            </a:extLst>
+          </p:cNvPr>
+          <p:cNvSpPr/>
+          <p:nvPr/>
+        </p:nvSpPr>
+        <p:spPr>
+          <a:xfrm>
+            <a:off x="7195793" y="4696579"/>
+            <a:ext cx="662471" cy="654860"/>
+          </a:xfrm>
+          <a:prstGeom prst="ellipse">
+            <a:avLst/>
+          </a:prstGeom>
+          <a:noFill/>
+        </p:spPr>
+        <p:style>
+          <a:lnRef idx="2">
+            <a:schemeClr val="accent1">
+              <a:shade val="50000"/>
+            </a:schemeClr>
+          </a:lnRef>
+          <a:fillRef idx="1">
+            <a:schemeClr val="accent1"/>
+          </a:fillRef>
+          <a:effectRef idx="0">
+            <a:schemeClr val="accent1"/>
+          </a:effectRef>
+          <a:fontRef idx="minor">
+            <a:schemeClr val="lt1"/>
+          </a:fontRef>
+        </p:style>
+        <p:txBody>
+          <a:bodyPr rtlCol="0" anchor="ctr"/>
+          <a:lstStyle/>
+          <a:p>
+            <a:pPr algn="ctr"/>
+            <a:r>
+              <a:rPr lang="en-US" altLang="zh-CN" sz="1100" dirty="0">
+                <a:solidFill>
+                  <a:schemeClr val="tx1"/>
+                </a:solidFill>
+              </a:rPr>
+              <a:t>C41</a:t>
+            </a:r>
+            <a:endParaRPr lang="zh-CN" altLang="en-US" sz="1100" dirty="0">
+              <a:solidFill>
+                <a:schemeClr val="tx1"/>
+              </a:solidFill>
+            </a:endParaRPr>
+          </a:p>
+        </p:txBody>
+      </p:sp>
+      <p:sp>
+        <p:nvSpPr>
+          <p:cNvPr id="156" name="Oval 155">
+            <a:extLst>
+              <a:ext uri="{FF2B5EF4-FFF2-40B4-BE49-F238E27FC236}">
+                <a16:creationId xmlns:a16="http://schemas.microsoft.com/office/drawing/2014/main" id="{ECB03DE7-B3BF-48AD-B5EA-C1A123E04A82}"/>
+              </a:ext>
+            </a:extLst>
+          </p:cNvPr>
+          <p:cNvSpPr/>
+          <p:nvPr/>
+        </p:nvSpPr>
+        <p:spPr>
+          <a:xfrm>
+            <a:off x="7863846" y="5819066"/>
+            <a:ext cx="662471" cy="654860"/>
+          </a:xfrm>
+          <a:prstGeom prst="ellipse">
+            <a:avLst/>
+          </a:prstGeom>
+          <a:noFill/>
+        </p:spPr>
+        <p:style>
+          <a:lnRef idx="2">
+            <a:schemeClr val="accent1">
+              <a:shade val="50000"/>
+            </a:schemeClr>
+          </a:lnRef>
+          <a:fillRef idx="1">
+            <a:schemeClr val="accent1"/>
+          </a:fillRef>
+          <a:effectRef idx="0">
+            <a:schemeClr val="accent1"/>
+          </a:effectRef>
+          <a:fontRef idx="minor">
+            <a:schemeClr val="lt1"/>
+          </a:fontRef>
+        </p:style>
+        <p:txBody>
+          <a:bodyPr rtlCol="0" anchor="ctr"/>
+          <a:lstStyle/>
+          <a:p>
+            <a:pPr algn="ctr"/>
+            <a:r>
+              <a:rPr lang="en-US" altLang="zh-CN" sz="1100" dirty="0">
+                <a:solidFill>
+                  <a:schemeClr val="tx1"/>
+                </a:solidFill>
+              </a:rPr>
+              <a:t>E4</a:t>
+            </a:r>
+            <a:endParaRPr lang="zh-CN" altLang="en-US" sz="1100" dirty="0">
+              <a:solidFill>
+                <a:schemeClr val="tx1"/>
+              </a:solidFill>
+            </a:endParaRPr>
+          </a:p>
+        </p:txBody>
+      </p:sp>
+      <p:cxnSp>
+        <p:nvCxnSpPr>
+          <p:cNvPr id="157" name="Straight Arrow Connector 156">
+            <a:extLst>
+              <a:ext uri="{FF2B5EF4-FFF2-40B4-BE49-F238E27FC236}">
+                <a16:creationId xmlns:a16="http://schemas.microsoft.com/office/drawing/2014/main" id="{FD65DAC3-81B9-403D-AA91-E58E493E12F8}"/>
+              </a:ext>
+            </a:extLst>
+          </p:cNvPr>
+          <p:cNvCxnSpPr>
+            <a:stCxn id="155" idx="4"/>
+            <a:endCxn id="156" idx="0"/>
+          </p:cNvCxnSpPr>
+          <p:nvPr/>
+        </p:nvCxnSpPr>
+        <p:spPr>
+          <a:xfrm>
+            <a:off x="7527029" y="5351439"/>
+            <a:ext cx="668053" cy="467627"/>
+          </a:xfrm>
+          <a:prstGeom prst="straightConnector1">
+            <a:avLst/>
+          </a:prstGeom>
+          <a:ln>
+            <a:tailEnd type="triangle"/>
+          </a:ln>
+        </p:spPr>
+        <p:style>
+          <a:lnRef idx="1">
+            <a:schemeClr val="accent1"/>
+          </a:lnRef>
+          <a:fillRef idx="0">
+            <a:schemeClr val="accent1"/>
+          </a:fillRef>
+          <a:effectRef idx="0">
+            <a:schemeClr val="accent1"/>
+          </a:effectRef>
+          <a:fontRef idx="minor">
+            <a:schemeClr val="tx1"/>
+          </a:fontRef>
+        </p:style>
+      </p:cxnSp>
+      <p:sp>
+        <p:nvSpPr>
+          <p:cNvPr id="158" name="Oval 157">
+            <a:extLst>
+              <a:ext uri="{FF2B5EF4-FFF2-40B4-BE49-F238E27FC236}">
+                <a16:creationId xmlns:a16="http://schemas.microsoft.com/office/drawing/2014/main" id="{9F77C72C-82FB-4E26-8822-C518E3832FF2}"/>
+              </a:ext>
+            </a:extLst>
+          </p:cNvPr>
+          <p:cNvSpPr/>
+          <p:nvPr/>
+        </p:nvSpPr>
+        <p:spPr>
+          <a:xfrm>
+            <a:off x="7574547" y="4056802"/>
+            <a:ext cx="662471" cy="654860"/>
+          </a:xfrm>
+          <a:prstGeom prst="ellipse">
+            <a:avLst/>
+          </a:prstGeom>
+          <a:noFill/>
+        </p:spPr>
+        <p:style>
+          <a:lnRef idx="2">
+            <a:schemeClr val="accent1">
+              <a:shade val="50000"/>
+            </a:schemeClr>
+          </a:lnRef>
+          <a:fillRef idx="1">
+            <a:schemeClr val="accent1"/>
+          </a:fillRef>
+          <a:effectRef idx="0">
+            <a:schemeClr val="accent1"/>
+          </a:effectRef>
+          <a:fontRef idx="minor">
+            <a:schemeClr val="lt1"/>
+          </a:fontRef>
+        </p:style>
+        <p:txBody>
+          <a:bodyPr rtlCol="0" anchor="ctr"/>
+          <a:lstStyle/>
+          <a:p>
+            <a:pPr algn="ctr"/>
+            <a:r>
+              <a:rPr lang="en-US" altLang="zh-CN" sz="1100" dirty="0">
+                <a:solidFill>
+                  <a:schemeClr val="tx1"/>
+                </a:solidFill>
+              </a:rPr>
+              <a:t>C42</a:t>
+            </a:r>
+            <a:endParaRPr lang="zh-CN" altLang="en-US" sz="1100" dirty="0">
+              <a:solidFill>
+                <a:schemeClr val="tx1"/>
+              </a:solidFill>
+            </a:endParaRPr>
+          </a:p>
+        </p:txBody>
+      </p:sp>
+      <p:sp>
+        <p:nvSpPr>
+          <p:cNvPr id="159" name="Oval 158">
+            <a:extLst>
+              <a:ext uri="{FF2B5EF4-FFF2-40B4-BE49-F238E27FC236}">
+                <a16:creationId xmlns:a16="http://schemas.microsoft.com/office/drawing/2014/main" id="{2B7F31C6-7323-4302-8D6A-A80B1B3844E6}"/>
+              </a:ext>
+            </a:extLst>
+          </p:cNvPr>
+          <p:cNvSpPr/>
+          <p:nvPr/>
+        </p:nvSpPr>
+        <p:spPr>
+          <a:xfrm>
+            <a:off x="7968318" y="3459050"/>
+            <a:ext cx="662471" cy="654860"/>
+          </a:xfrm>
+          <a:prstGeom prst="ellipse">
+            <a:avLst/>
+          </a:prstGeom>
+          <a:noFill/>
+        </p:spPr>
+        <p:style>
+          <a:lnRef idx="2">
+            <a:schemeClr val="accent1">
+              <a:shade val="50000"/>
+            </a:schemeClr>
+          </a:lnRef>
+          <a:fillRef idx="1">
+            <a:schemeClr val="accent1"/>
+          </a:fillRef>
+          <a:effectRef idx="0">
+            <a:schemeClr val="accent1"/>
+          </a:effectRef>
+          <a:fontRef idx="minor">
+            <a:schemeClr val="lt1"/>
+          </a:fontRef>
+        </p:style>
+        <p:txBody>
+          <a:bodyPr rtlCol="0" anchor="ctr"/>
+          <a:lstStyle/>
+          <a:p>
+            <a:pPr algn="ctr"/>
+            <a:r>
+              <a:rPr lang="en-US" altLang="zh-CN" sz="1100" dirty="0">
+                <a:solidFill>
+                  <a:schemeClr val="tx1"/>
+                </a:solidFill>
+              </a:rPr>
+              <a:t>C43</a:t>
+            </a:r>
+            <a:endParaRPr lang="zh-CN" altLang="en-US" sz="1100" dirty="0">
+              <a:solidFill>
+                <a:schemeClr val="tx1"/>
+              </a:solidFill>
+            </a:endParaRPr>
+          </a:p>
+        </p:txBody>
+      </p:sp>
+      <p:cxnSp>
+        <p:nvCxnSpPr>
+          <p:cNvPr id="160" name="Straight Arrow Connector 159">
+            <a:extLst>
+              <a:ext uri="{FF2B5EF4-FFF2-40B4-BE49-F238E27FC236}">
+                <a16:creationId xmlns:a16="http://schemas.microsoft.com/office/drawing/2014/main" id="{5E5496A6-F25C-4C92-813D-36997E65E032}"/>
+              </a:ext>
+            </a:extLst>
+          </p:cNvPr>
+          <p:cNvCxnSpPr>
+            <a:stCxn id="158" idx="4"/>
+            <a:endCxn id="156" idx="0"/>
+          </p:cNvCxnSpPr>
+          <p:nvPr/>
+        </p:nvCxnSpPr>
+        <p:spPr>
+          <a:xfrm>
+            <a:off x="7905783" y="4711662"/>
+            <a:ext cx="289299" cy="1107404"/>
+          </a:xfrm>
+          <a:prstGeom prst="straightConnector1">
+            <a:avLst/>
+          </a:prstGeom>
+          <a:ln>
+            <a:tailEnd type="triangle"/>
+          </a:ln>
+        </p:spPr>
+        <p:style>
+          <a:lnRef idx="1">
+            <a:schemeClr val="accent1"/>
+          </a:lnRef>
+          <a:fillRef idx="0">
+            <a:schemeClr val="accent1"/>
+          </a:fillRef>
+          <a:effectRef idx="0">
+            <a:schemeClr val="accent1"/>
+          </a:effectRef>
+          <a:fontRef idx="minor">
+            <a:schemeClr val="tx1"/>
+          </a:fontRef>
+        </p:style>
+      </p:cxnSp>
+      <p:cxnSp>
+        <p:nvCxnSpPr>
+          <p:cNvPr id="161" name="Straight Arrow Connector 160">
+            <a:extLst>
+              <a:ext uri="{FF2B5EF4-FFF2-40B4-BE49-F238E27FC236}">
+                <a16:creationId xmlns:a16="http://schemas.microsoft.com/office/drawing/2014/main" id="{98B1C935-2E98-45BA-8D1F-BC55CDC33652}"/>
+              </a:ext>
+            </a:extLst>
+          </p:cNvPr>
+          <p:cNvCxnSpPr>
+            <a:stCxn id="159" idx="4"/>
+            <a:endCxn id="156" idx="0"/>
+          </p:cNvCxnSpPr>
+          <p:nvPr/>
+        </p:nvCxnSpPr>
+        <p:spPr>
+          <a:xfrm flipH="1">
+            <a:off x="8195082" y="4113910"/>
+            <a:ext cx="104472" cy="1705156"/>
+          </a:xfrm>
+          <a:prstGeom prst="straightConnector1">
+            <a:avLst/>
+          </a:prstGeom>
+          <a:ln>
+            <a:tailEnd type="triangle"/>
+          </a:ln>
+        </p:spPr>
+        <p:style>
+          <a:lnRef idx="1">
+            <a:schemeClr val="accent1"/>
+          </a:lnRef>
+          <a:fillRef idx="0">
+            <a:schemeClr val="accent1"/>
+          </a:fillRef>
+          <a:effectRef idx="0">
+            <a:schemeClr val="accent1"/>
+          </a:effectRef>
+          <a:fontRef idx="minor">
+            <a:schemeClr val="tx1"/>
+          </a:fontRef>
+        </p:style>
+      </p:cxnSp>
+      <p:cxnSp>
+        <p:nvCxnSpPr>
+          <p:cNvPr id="31" name="Straight Arrow Connector 30">
+            <a:extLst>
+              <a:ext uri="{FF2B5EF4-FFF2-40B4-BE49-F238E27FC236}">
+                <a16:creationId xmlns:a16="http://schemas.microsoft.com/office/drawing/2014/main" id="{CB3EF182-D650-4EE0-8156-1BB23E0F7CA7}"/>
+              </a:ext>
+            </a:extLst>
+          </p:cNvPr>
+          <p:cNvCxnSpPr>
+            <a:cxnSpLocks/>
+            <a:endCxn id="144" idx="2"/>
+          </p:cNvCxnSpPr>
+          <p:nvPr/>
+        </p:nvCxnSpPr>
+        <p:spPr>
+          <a:xfrm>
+            <a:off x="4334627" y="3762116"/>
+            <a:ext cx="879303" cy="4790"/>
+          </a:xfrm>
+          <a:prstGeom prst="straightConnector1">
+            <a:avLst/>
+          </a:prstGeom>
+          <a:ln>
+            <a:tailEnd type="triangle"/>
+          </a:ln>
+        </p:spPr>
+        <p:style>
+          <a:lnRef idx="1">
+            <a:schemeClr val="accent1"/>
+          </a:lnRef>
+          <a:fillRef idx="0">
+            <a:schemeClr val="accent1"/>
+          </a:fillRef>
+          <a:effectRef idx="0">
+            <a:schemeClr val="accent1"/>
+          </a:effectRef>
+          <a:fontRef idx="minor">
+            <a:schemeClr val="tx1"/>
+          </a:fontRef>
+        </p:style>
+      </p:cxnSp>
+      <p:cxnSp>
+        <p:nvCxnSpPr>
+          <p:cNvPr id="232" name="Straight Arrow Connector 231">
+            <a:extLst>
+              <a:ext uri="{FF2B5EF4-FFF2-40B4-BE49-F238E27FC236}">
+                <a16:creationId xmlns:a16="http://schemas.microsoft.com/office/drawing/2014/main" id="{E21CC869-B629-440E-AA7B-AF6FB090423F}"/>
+              </a:ext>
+            </a:extLst>
+          </p:cNvPr>
+          <p:cNvCxnSpPr>
+            <a:stCxn id="144" idx="6"/>
+            <a:endCxn id="152" idx="2"/>
+          </p:cNvCxnSpPr>
+          <p:nvPr/>
+        </p:nvCxnSpPr>
+        <p:spPr>
+          <a:xfrm>
+            <a:off x="5876401" y="3766906"/>
+            <a:ext cx="765057" cy="9787"/>
+          </a:xfrm>
+          <a:prstGeom prst="straightConnector1">
+            <a:avLst/>
+          </a:prstGeom>
+          <a:ln>
+            <a:tailEnd type="triangle"/>
+          </a:ln>
+        </p:spPr>
+        <p:style>
+          <a:lnRef idx="1">
+            <a:schemeClr val="accent1"/>
+          </a:lnRef>
+          <a:fillRef idx="0">
+            <a:schemeClr val="accent1"/>
+          </a:fillRef>
+          <a:effectRef idx="0">
+            <a:schemeClr val="accent1"/>
+          </a:effectRef>
+          <a:fontRef idx="minor">
+            <a:schemeClr val="tx1"/>
+          </a:fontRef>
+        </p:style>
+      </p:cxnSp>
+      <p:cxnSp>
+        <p:nvCxnSpPr>
+          <p:cNvPr id="234" name="Straight Arrow Connector 233">
+            <a:extLst>
+              <a:ext uri="{FF2B5EF4-FFF2-40B4-BE49-F238E27FC236}">
+                <a16:creationId xmlns:a16="http://schemas.microsoft.com/office/drawing/2014/main" id="{EC12FA87-3B64-4109-8A0F-F37F0F7993EC}"/>
+              </a:ext>
+            </a:extLst>
+          </p:cNvPr>
+          <p:cNvCxnSpPr>
+            <a:stCxn id="152" idx="6"/>
+            <a:endCxn id="159" idx="2"/>
+          </p:cNvCxnSpPr>
+          <p:nvPr/>
+        </p:nvCxnSpPr>
+        <p:spPr>
+          <a:xfrm>
+            <a:off x="7303929" y="3776693"/>
+            <a:ext cx="664389" cy="9787"/>
+          </a:xfrm>
+          <a:prstGeom prst="straightConnector1">
+            <a:avLst/>
+          </a:prstGeom>
+          <a:ln>
+            <a:tailEnd type="triangle"/>
+          </a:ln>
+        </p:spPr>
+        <p:style>
+          <a:lnRef idx="1">
+            <a:schemeClr val="accent1"/>
+          </a:lnRef>
+          <a:fillRef idx="0">
+            <a:schemeClr val="accent1"/>
+          </a:fillRef>
+          <a:effectRef idx="0">
+            <a:schemeClr val="accent1"/>
+          </a:effectRef>
+          <a:fontRef idx="minor">
+            <a:schemeClr val="tx1"/>
+          </a:fontRef>
+        </p:style>
+      </p:cxnSp>
+      <p:cxnSp>
+        <p:nvCxnSpPr>
+          <p:cNvPr id="236" name="Straight Arrow Connector 235">
+            <a:extLst>
+              <a:ext uri="{FF2B5EF4-FFF2-40B4-BE49-F238E27FC236}">
+                <a16:creationId xmlns:a16="http://schemas.microsoft.com/office/drawing/2014/main" id="{F7A2F07A-D560-4889-AD5F-5E4F96310370}"/>
+              </a:ext>
+            </a:extLst>
+          </p:cNvPr>
+          <p:cNvCxnSpPr>
+            <a:stCxn id="140" idx="6"/>
+            <a:endCxn id="143" idx="2"/>
+          </p:cNvCxnSpPr>
+          <p:nvPr/>
+        </p:nvCxnSpPr>
+        <p:spPr>
+          <a:xfrm>
+            <a:off x="3974412" y="4364658"/>
+            <a:ext cx="845747" cy="0"/>
+          </a:xfrm>
+          <a:prstGeom prst="straightConnector1">
+            <a:avLst/>
+          </a:prstGeom>
+          <a:ln>
+            <a:tailEnd type="triangle"/>
+          </a:ln>
+        </p:spPr>
+        <p:style>
+          <a:lnRef idx="1">
+            <a:schemeClr val="accent1"/>
+          </a:lnRef>
+          <a:fillRef idx="0">
+            <a:schemeClr val="accent1"/>
+          </a:fillRef>
+          <a:effectRef idx="0">
+            <a:schemeClr val="accent1"/>
+          </a:effectRef>
+          <a:fontRef idx="minor">
+            <a:schemeClr val="tx1"/>
+          </a:fontRef>
+        </p:style>
+      </p:cxnSp>
+      <p:cxnSp>
+        <p:nvCxnSpPr>
+          <p:cNvPr id="238" name="Straight Arrow Connector 237">
+            <a:extLst>
+              <a:ext uri="{FF2B5EF4-FFF2-40B4-BE49-F238E27FC236}">
+                <a16:creationId xmlns:a16="http://schemas.microsoft.com/office/drawing/2014/main" id="{04E33DA2-434B-4751-86CC-EA66D8C5DAD8}"/>
+              </a:ext>
+            </a:extLst>
+          </p:cNvPr>
+          <p:cNvCxnSpPr>
+            <a:stCxn id="143" idx="6"/>
+            <a:endCxn id="151" idx="2"/>
+          </p:cNvCxnSpPr>
+          <p:nvPr/>
+        </p:nvCxnSpPr>
+        <p:spPr>
+          <a:xfrm>
+            <a:off x="5482630" y="4364658"/>
+            <a:ext cx="765057" cy="9787"/>
+          </a:xfrm>
+          <a:prstGeom prst="straightConnector1">
+            <a:avLst/>
+          </a:prstGeom>
+          <a:ln>
+            <a:tailEnd type="triangle"/>
+          </a:ln>
+        </p:spPr>
+        <p:style>
+          <a:lnRef idx="1">
+            <a:schemeClr val="accent1"/>
+          </a:lnRef>
+          <a:fillRef idx="0">
+            <a:schemeClr val="accent1"/>
+          </a:fillRef>
+          <a:effectRef idx="0">
+            <a:schemeClr val="accent1"/>
+          </a:effectRef>
+          <a:fontRef idx="minor">
+            <a:schemeClr val="tx1"/>
+          </a:fontRef>
+        </p:style>
+      </p:cxnSp>
+      <p:cxnSp>
+        <p:nvCxnSpPr>
+          <p:cNvPr id="240" name="Straight Arrow Connector 239">
+            <a:extLst>
+              <a:ext uri="{FF2B5EF4-FFF2-40B4-BE49-F238E27FC236}">
+                <a16:creationId xmlns:a16="http://schemas.microsoft.com/office/drawing/2014/main" id="{E1B7A924-868E-4EB0-8C06-DC208FCB891A}"/>
+              </a:ext>
+            </a:extLst>
+          </p:cNvPr>
+          <p:cNvCxnSpPr>
+            <a:stCxn id="151" idx="6"/>
+            <a:endCxn id="158" idx="2"/>
+          </p:cNvCxnSpPr>
+          <p:nvPr/>
+        </p:nvCxnSpPr>
+        <p:spPr>
+          <a:xfrm>
+            <a:off x="6910158" y="4374445"/>
+            <a:ext cx="664389" cy="9787"/>
+          </a:xfrm>
+          <a:prstGeom prst="straightConnector1">
+            <a:avLst/>
+          </a:prstGeom>
+          <a:ln>
+            <a:tailEnd type="triangle"/>
+          </a:ln>
+        </p:spPr>
+        <p:style>
+          <a:lnRef idx="1">
+            <a:schemeClr val="accent1"/>
+          </a:lnRef>
+          <a:fillRef idx="0">
+            <a:schemeClr val="accent1"/>
+          </a:fillRef>
+          <a:effectRef idx="0">
+            <a:schemeClr val="accent1"/>
+          </a:effectRef>
+          <a:fontRef idx="minor">
+            <a:schemeClr val="tx1"/>
+          </a:fontRef>
+        </p:style>
+      </p:cxnSp>
+      <p:cxnSp>
+        <p:nvCxnSpPr>
+          <p:cNvPr id="242" name="Straight Arrow Connector 241">
+            <a:extLst>
+              <a:ext uri="{FF2B5EF4-FFF2-40B4-BE49-F238E27FC236}">
+                <a16:creationId xmlns:a16="http://schemas.microsoft.com/office/drawing/2014/main" id="{30F7F7C2-1B42-4FD8-B305-F5D841C5F59A}"/>
+              </a:ext>
+            </a:extLst>
+          </p:cNvPr>
+          <p:cNvCxnSpPr>
+            <a:stCxn id="129" idx="6"/>
+            <a:endCxn id="130" idx="2"/>
+          </p:cNvCxnSpPr>
+          <p:nvPr/>
+        </p:nvCxnSpPr>
+        <p:spPr>
+          <a:xfrm flipV="1">
+            <a:off x="3576843" y="5004435"/>
+            <a:ext cx="864562" cy="3500"/>
+          </a:xfrm>
+          <a:prstGeom prst="straightConnector1">
+            <a:avLst/>
+          </a:prstGeom>
+          <a:ln>
+            <a:tailEnd type="triangle"/>
+          </a:ln>
+        </p:spPr>
+        <p:style>
+          <a:lnRef idx="1">
+            <a:schemeClr val="accent1"/>
+          </a:lnRef>
+          <a:fillRef idx="0">
+            <a:schemeClr val="accent1"/>
+          </a:fillRef>
+          <a:effectRef idx="0">
+            <a:schemeClr val="accent1"/>
+          </a:effectRef>
+          <a:fontRef idx="minor">
+            <a:schemeClr val="tx1"/>
+          </a:fontRef>
+        </p:style>
+      </p:cxnSp>
+      <p:cxnSp>
+        <p:nvCxnSpPr>
+          <p:cNvPr id="244" name="Straight Arrow Connector 243">
+            <a:extLst>
+              <a:ext uri="{FF2B5EF4-FFF2-40B4-BE49-F238E27FC236}">
+                <a16:creationId xmlns:a16="http://schemas.microsoft.com/office/drawing/2014/main" id="{6E4E7AA7-D0A7-4EDD-8070-D9E8485ADDDC}"/>
+              </a:ext>
+            </a:extLst>
+          </p:cNvPr>
+          <p:cNvCxnSpPr>
+            <a:stCxn id="130" idx="6"/>
+            <a:endCxn id="148" idx="2"/>
+          </p:cNvCxnSpPr>
+          <p:nvPr/>
+        </p:nvCxnSpPr>
+        <p:spPr>
+          <a:xfrm>
+            <a:off x="5103876" y="5004435"/>
+            <a:ext cx="765057" cy="9787"/>
+          </a:xfrm>
+          <a:prstGeom prst="straightConnector1">
+            <a:avLst/>
+          </a:prstGeom>
+          <a:ln>
+            <a:tailEnd type="triangle"/>
+          </a:ln>
+        </p:spPr>
+        <p:style>
+          <a:lnRef idx="1">
+            <a:schemeClr val="accent1"/>
+          </a:lnRef>
+          <a:fillRef idx="0">
+            <a:schemeClr val="accent1"/>
+          </a:fillRef>
+          <a:effectRef idx="0">
+            <a:schemeClr val="accent1"/>
+          </a:effectRef>
+          <a:fontRef idx="minor">
+            <a:schemeClr val="tx1"/>
+          </a:fontRef>
+        </p:style>
+      </p:cxnSp>
+      <p:cxnSp>
+        <p:nvCxnSpPr>
+          <p:cNvPr id="246" name="Straight Arrow Connector 245">
+            <a:extLst>
+              <a:ext uri="{FF2B5EF4-FFF2-40B4-BE49-F238E27FC236}">
+                <a16:creationId xmlns:a16="http://schemas.microsoft.com/office/drawing/2014/main" id="{3DEF6770-B563-4B3F-A9D6-CF0FCFF990D3}"/>
+              </a:ext>
+            </a:extLst>
+          </p:cNvPr>
+          <p:cNvCxnSpPr>
+            <a:stCxn id="148" idx="6"/>
+            <a:endCxn id="155" idx="2"/>
+          </p:cNvCxnSpPr>
+          <p:nvPr/>
+        </p:nvCxnSpPr>
+        <p:spPr>
+          <a:xfrm>
+            <a:off x="6531404" y="5014222"/>
+            <a:ext cx="664389" cy="9787"/>
+          </a:xfrm>
+          <a:prstGeom prst="straightConnector1">
+            <a:avLst/>
+          </a:prstGeom>
+          <a:ln>
+            <a:tailEnd type="triangle"/>
+          </a:ln>
+        </p:spPr>
+        <p:style>
+          <a:lnRef idx="1">
+            <a:schemeClr val="accent1"/>
+          </a:lnRef>
+          <a:fillRef idx="0">
+            <a:schemeClr val="accent1"/>
+          </a:fillRef>
+          <a:effectRef idx="0">
+            <a:schemeClr val="accent1"/>
+          </a:effectRef>
+          <a:fontRef idx="minor">
+            <a:schemeClr val="tx1"/>
+          </a:fontRef>
+        </p:style>
+      </p:cxnSp>
+      <p:sp>
+        <p:nvSpPr>
+          <p:cNvPr id="147" name="Oval 146">
+            <a:extLst>
+              <a:ext uri="{FF2B5EF4-FFF2-40B4-BE49-F238E27FC236}">
+                <a16:creationId xmlns:a16="http://schemas.microsoft.com/office/drawing/2014/main" id="{E0DC730F-7E1D-45D7-B308-3EDE2AEB8D75}"/>
+              </a:ext>
+            </a:extLst>
+          </p:cNvPr>
+          <p:cNvSpPr/>
+          <p:nvPr/>
+        </p:nvSpPr>
+        <p:spPr>
+          <a:xfrm>
+            <a:off x="9500656" y="4251954"/>
+            <a:ext cx="662471" cy="654860"/>
+          </a:xfrm>
+          <a:prstGeom prst="ellipse">
+            <a:avLst/>
+          </a:prstGeom>
+          <a:noFill/>
+        </p:spPr>
+        <p:style>
+          <a:lnRef idx="2">
+            <a:schemeClr val="accent1">
+              <a:shade val="50000"/>
+            </a:schemeClr>
+          </a:lnRef>
+          <a:fillRef idx="1">
+            <a:schemeClr val="accent1"/>
+          </a:fillRef>
+          <a:effectRef idx="0">
+            <a:schemeClr val="accent1"/>
+          </a:effectRef>
+          <a:fontRef idx="minor">
+            <a:schemeClr val="lt1"/>
+          </a:fontRef>
+        </p:style>
+        <p:txBody>
+          <a:bodyPr rtlCol="0" anchor="ctr"/>
+          <a:lstStyle/>
+          <a:p>
+            <a:pPr algn="ctr"/>
+            <a:r>
+              <a:rPr lang="en-US" altLang="zh-CN" sz="1100" dirty="0">
+                <a:solidFill>
+                  <a:schemeClr val="tx1"/>
+                </a:solidFill>
+              </a:rPr>
+              <a:t>C32</a:t>
+            </a:r>
+            <a:endParaRPr lang="zh-CN" altLang="en-US" sz="1100" dirty="0">
+              <a:solidFill>
+                <a:schemeClr val="tx1"/>
+              </a:solidFill>
+            </a:endParaRPr>
+          </a:p>
+        </p:txBody>
+      </p:sp>
+      <p:cxnSp>
+        <p:nvCxnSpPr>
+          <p:cNvPr id="163" name="Straight Arrow Connector 162">
+            <a:extLst>
+              <a:ext uri="{FF2B5EF4-FFF2-40B4-BE49-F238E27FC236}">
+                <a16:creationId xmlns:a16="http://schemas.microsoft.com/office/drawing/2014/main" id="{4FBD6415-4991-4EDA-B842-9F7EC4DB9732}"/>
+              </a:ext>
+            </a:extLst>
+          </p:cNvPr>
+          <p:cNvCxnSpPr>
+            <a:cxnSpLocks/>
+            <a:stCxn id="147" idx="4"/>
+          </p:cNvCxnSpPr>
+          <p:nvPr/>
+        </p:nvCxnSpPr>
+        <p:spPr>
+          <a:xfrm>
+            <a:off x="9831892" y="4906814"/>
+            <a:ext cx="289299" cy="1107404"/>
+          </a:xfrm>
+          <a:prstGeom prst="straightConnector1">
+            <a:avLst/>
+          </a:prstGeom>
+          <a:ln>
+            <a:tailEnd type="triangle"/>
+          </a:ln>
+        </p:spPr>
+        <p:style>
+          <a:lnRef idx="1">
+            <a:schemeClr val="accent1"/>
+          </a:lnRef>
+          <a:fillRef idx="0">
+            <a:schemeClr val="accent1"/>
+          </a:fillRef>
+          <a:effectRef idx="0">
+            <a:schemeClr val="accent1"/>
+          </a:effectRef>
+          <a:fontRef idx="minor">
+            <a:schemeClr val="tx1"/>
+          </a:fontRef>
+        </p:style>
+      </p:cxnSp>
+      <p:sp>
+        <p:nvSpPr>
+          <p:cNvPr id="165" name="Oval 164">
+            <a:extLst>
+              <a:ext uri="{FF2B5EF4-FFF2-40B4-BE49-F238E27FC236}">
+                <a16:creationId xmlns:a16="http://schemas.microsoft.com/office/drawing/2014/main" id="{B47C50C6-9574-4C33-81C0-BE5A03324D93}"/>
+              </a:ext>
+            </a:extLst>
+          </p:cNvPr>
+          <p:cNvSpPr/>
+          <p:nvPr/>
+        </p:nvSpPr>
+        <p:spPr>
+          <a:xfrm>
+            <a:off x="10448762" y="4901518"/>
+            <a:ext cx="662471" cy="654860"/>
+          </a:xfrm>
+          <a:prstGeom prst="ellipse">
+            <a:avLst/>
+          </a:prstGeom>
+          <a:noFill/>
+        </p:spPr>
+        <p:style>
+          <a:lnRef idx="2">
+            <a:schemeClr val="accent1">
+              <a:shade val="50000"/>
+            </a:schemeClr>
+          </a:lnRef>
+          <a:fillRef idx="1">
+            <a:schemeClr val="accent1"/>
+          </a:fillRef>
+          <a:effectRef idx="0">
+            <a:schemeClr val="accent1"/>
+          </a:effectRef>
+          <a:fontRef idx="minor">
+            <a:schemeClr val="lt1"/>
+          </a:fontRef>
+        </p:style>
+        <p:txBody>
+          <a:bodyPr rtlCol="0" anchor="ctr"/>
+          <a:lstStyle/>
+          <a:p>
+            <a:pPr algn="ctr"/>
+            <a:r>
+              <a:rPr lang="en-US" altLang="zh-CN" sz="1100" dirty="0">
+                <a:solidFill>
+                  <a:schemeClr val="tx1"/>
+                </a:solidFill>
+              </a:rPr>
+              <a:t>C41</a:t>
+            </a:r>
+            <a:endParaRPr lang="zh-CN" altLang="en-US" sz="1100" dirty="0">
+              <a:solidFill>
+                <a:schemeClr val="tx1"/>
+              </a:solidFill>
+            </a:endParaRPr>
+          </a:p>
+        </p:txBody>
+      </p:sp>
+      <p:cxnSp>
+        <p:nvCxnSpPr>
+          <p:cNvPr id="167" name="Straight Arrow Connector 166">
+            <a:extLst>
+              <a:ext uri="{FF2B5EF4-FFF2-40B4-BE49-F238E27FC236}">
+                <a16:creationId xmlns:a16="http://schemas.microsoft.com/office/drawing/2014/main" id="{3FC1AB90-D112-4DA8-93B7-8DA58E2F885F}"/>
+              </a:ext>
+            </a:extLst>
+          </p:cNvPr>
+          <p:cNvCxnSpPr>
+            <a:cxnSpLocks/>
+            <a:stCxn id="165" idx="4"/>
+          </p:cNvCxnSpPr>
+          <p:nvPr/>
+        </p:nvCxnSpPr>
+        <p:spPr>
+          <a:xfrm>
+            <a:off x="10779998" y="5556378"/>
+            <a:ext cx="668053" cy="467627"/>
+          </a:xfrm>
+          <a:prstGeom prst="straightConnector1">
+            <a:avLst/>
+          </a:prstGeom>
+          <a:ln>
+            <a:tailEnd type="triangle"/>
+          </a:ln>
+        </p:spPr>
+        <p:style>
+          <a:lnRef idx="1">
+            <a:schemeClr val="accent1"/>
+          </a:lnRef>
+          <a:fillRef idx="0">
+            <a:schemeClr val="accent1"/>
+          </a:fillRef>
+          <a:effectRef idx="0">
+            <a:schemeClr val="accent1"/>
+          </a:effectRef>
+          <a:fontRef idx="minor">
+            <a:schemeClr val="tx1"/>
+          </a:fontRef>
+        </p:style>
+      </p:cxnSp>
+      <p:sp>
+        <p:nvSpPr>
+          <p:cNvPr id="168" name="Oval 167">
+            <a:extLst>
+              <a:ext uri="{FF2B5EF4-FFF2-40B4-BE49-F238E27FC236}">
+                <a16:creationId xmlns:a16="http://schemas.microsoft.com/office/drawing/2014/main" id="{BCFF1D87-BC1F-4E84-B6C7-A6F461491049}"/>
+              </a:ext>
+            </a:extLst>
+          </p:cNvPr>
+          <p:cNvSpPr/>
+          <p:nvPr/>
+        </p:nvSpPr>
+        <p:spPr>
+          <a:xfrm>
+            <a:off x="10827516" y="4261741"/>
+            <a:ext cx="662471" cy="654860"/>
+          </a:xfrm>
+          <a:prstGeom prst="ellipse">
+            <a:avLst/>
+          </a:prstGeom>
+          <a:noFill/>
+        </p:spPr>
+        <p:style>
+          <a:lnRef idx="2">
+            <a:schemeClr val="accent1">
+              <a:shade val="50000"/>
+            </a:schemeClr>
+          </a:lnRef>
+          <a:fillRef idx="1">
+            <a:schemeClr val="accent1"/>
+          </a:fillRef>
+          <a:effectRef idx="0">
+            <a:schemeClr val="accent1"/>
+          </a:effectRef>
+          <a:fontRef idx="minor">
+            <a:schemeClr val="lt1"/>
+          </a:fontRef>
+        </p:style>
+        <p:txBody>
+          <a:bodyPr rtlCol="0" anchor="ctr"/>
+          <a:lstStyle/>
+          <a:p>
+            <a:pPr algn="ctr"/>
+            <a:r>
+              <a:rPr lang="en-US" altLang="zh-CN" sz="1100" dirty="0">
+                <a:solidFill>
+                  <a:schemeClr val="tx1"/>
+                </a:solidFill>
+              </a:rPr>
+              <a:t>C42</a:t>
+            </a:r>
+            <a:endParaRPr lang="zh-CN" altLang="en-US" sz="1100" dirty="0">
+              <a:solidFill>
+                <a:schemeClr val="tx1"/>
+              </a:solidFill>
+            </a:endParaRPr>
+          </a:p>
+        </p:txBody>
+      </p:sp>
+      <p:sp>
+        <p:nvSpPr>
+          <p:cNvPr id="169" name="Oval 168">
+            <a:extLst>
+              <a:ext uri="{FF2B5EF4-FFF2-40B4-BE49-F238E27FC236}">
+                <a16:creationId xmlns:a16="http://schemas.microsoft.com/office/drawing/2014/main" id="{DC798DAD-74B8-45C4-8ECA-BC8E267315EC}"/>
+              </a:ext>
+            </a:extLst>
+          </p:cNvPr>
+          <p:cNvSpPr/>
+          <p:nvPr/>
+        </p:nvSpPr>
+        <p:spPr>
+          <a:xfrm>
+            <a:off x="11221287" y="3663989"/>
+            <a:ext cx="662471" cy="654860"/>
+          </a:xfrm>
+          <a:prstGeom prst="ellipse">
+            <a:avLst/>
+          </a:prstGeom>
+          <a:noFill/>
+        </p:spPr>
+        <p:style>
+          <a:lnRef idx="2">
+            <a:schemeClr val="accent1">
+              <a:shade val="50000"/>
+            </a:schemeClr>
+          </a:lnRef>
+          <a:fillRef idx="1">
+            <a:schemeClr val="accent1"/>
+          </a:fillRef>
+          <a:effectRef idx="0">
+            <a:schemeClr val="accent1"/>
+          </a:effectRef>
+          <a:fontRef idx="minor">
+            <a:schemeClr val="lt1"/>
+          </a:fontRef>
+        </p:style>
+        <p:txBody>
+          <a:bodyPr rtlCol="0" anchor="ctr"/>
+          <a:lstStyle/>
+          <a:p>
+            <a:pPr algn="ctr"/>
+            <a:r>
+              <a:rPr lang="en-US" altLang="zh-CN" sz="1100" dirty="0">
+                <a:solidFill>
+                  <a:schemeClr val="tx1"/>
+                </a:solidFill>
+              </a:rPr>
+              <a:t>C43</a:t>
+            </a:r>
+            <a:endParaRPr lang="zh-CN" altLang="en-US" sz="1100" dirty="0">
+              <a:solidFill>
+                <a:schemeClr val="tx1"/>
+              </a:solidFill>
+            </a:endParaRPr>
+          </a:p>
+        </p:txBody>
+      </p:sp>
+      <p:cxnSp>
+        <p:nvCxnSpPr>
+          <p:cNvPr id="170" name="Straight Arrow Connector 169">
+            <a:extLst>
+              <a:ext uri="{FF2B5EF4-FFF2-40B4-BE49-F238E27FC236}">
+                <a16:creationId xmlns:a16="http://schemas.microsoft.com/office/drawing/2014/main" id="{F94B39E2-92BD-4FC0-890A-DE38E421591A}"/>
+              </a:ext>
+            </a:extLst>
+          </p:cNvPr>
+          <p:cNvCxnSpPr>
+            <a:cxnSpLocks/>
+            <a:stCxn id="168" idx="4"/>
+          </p:cNvCxnSpPr>
+          <p:nvPr/>
+        </p:nvCxnSpPr>
+        <p:spPr>
+          <a:xfrm>
+            <a:off x="11158752" y="4916601"/>
+            <a:ext cx="289299" cy="1107404"/>
+          </a:xfrm>
+          <a:prstGeom prst="straightConnector1">
+            <a:avLst/>
+          </a:prstGeom>
+          <a:ln>
+            <a:tailEnd type="triangle"/>
+          </a:ln>
+        </p:spPr>
+        <p:style>
+          <a:lnRef idx="1">
+            <a:schemeClr val="accent1"/>
+          </a:lnRef>
+          <a:fillRef idx="0">
+            <a:schemeClr val="accent1"/>
+          </a:fillRef>
+          <a:effectRef idx="0">
+            <a:schemeClr val="accent1"/>
+          </a:effectRef>
+          <a:fontRef idx="minor">
+            <a:schemeClr val="tx1"/>
+          </a:fontRef>
+        </p:style>
+      </p:cxnSp>
+      <p:cxnSp>
+        <p:nvCxnSpPr>
+          <p:cNvPr id="174" name="Straight Arrow Connector 173">
+            <a:extLst>
+              <a:ext uri="{FF2B5EF4-FFF2-40B4-BE49-F238E27FC236}">
+                <a16:creationId xmlns:a16="http://schemas.microsoft.com/office/drawing/2014/main" id="{FA2A51E8-DF79-43B8-A301-F9D7C094096C}"/>
+              </a:ext>
+            </a:extLst>
+          </p:cNvPr>
+          <p:cNvCxnSpPr>
+            <a:cxnSpLocks/>
+            <a:stCxn id="169" idx="4"/>
+          </p:cNvCxnSpPr>
+          <p:nvPr/>
+        </p:nvCxnSpPr>
+        <p:spPr>
+          <a:xfrm flipH="1">
+            <a:off x="11448051" y="4318849"/>
+            <a:ext cx="104472" cy="1705156"/>
+          </a:xfrm>
+          <a:prstGeom prst="straightConnector1">
+            <a:avLst/>
+          </a:prstGeom>
+          <a:ln>
+            <a:tailEnd type="triangle"/>
+          </a:ln>
+        </p:spPr>
+        <p:style>
+          <a:lnRef idx="1">
+            <a:schemeClr val="accent1"/>
+          </a:lnRef>
+          <a:fillRef idx="0">
+            <a:schemeClr val="accent1"/>
+          </a:fillRef>
+          <a:effectRef idx="0">
+            <a:schemeClr val="accent1"/>
+          </a:effectRef>
+          <a:fontRef idx="minor">
+            <a:schemeClr val="tx1"/>
+          </a:fontRef>
+        </p:style>
+      </p:cxnSp>
+      <p:sp>
+        <p:nvSpPr>
+          <p:cNvPr id="2" name="Rectangle 1">
+            <a:extLst>
+              <a:ext uri="{FF2B5EF4-FFF2-40B4-BE49-F238E27FC236}">
+                <a16:creationId xmlns:a16="http://schemas.microsoft.com/office/drawing/2014/main" id="{5FC3564C-05C2-4760-A609-58D5E05253EB}"/>
+              </a:ext>
+            </a:extLst>
+          </p:cNvPr>
+          <p:cNvSpPr/>
+          <p:nvPr/>
+        </p:nvSpPr>
+        <p:spPr>
+          <a:xfrm>
+            <a:off x="10058655" y="5944216"/>
+            <a:ext cx="104472" cy="96501"/>
+          </a:xfrm>
+          <a:prstGeom prst="rect">
+            <a:avLst/>
+          </a:prstGeom>
+        </p:spPr>
+        <p:style>
+          <a:lnRef idx="2">
+            <a:schemeClr val="accent1">
+              <a:shade val="50000"/>
+            </a:schemeClr>
+          </a:lnRef>
+          <a:fillRef idx="1">
+            <a:schemeClr val="accent1"/>
+          </a:fillRef>
+          <a:effectRef idx="0">
+            <a:schemeClr val="accent1"/>
+          </a:effectRef>
+          <a:fontRef idx="minor">
+            <a:schemeClr val="lt1"/>
+          </a:fontRef>
+        </p:style>
+        <p:txBody>
+          <a:bodyPr rtlCol="0" anchor="ctr"/>
+          <a:lstStyle/>
+          <a:p>
+            <a:pPr algn="ctr"/>
+            <a:endParaRPr lang="zh-CN" altLang="en-US"/>
+          </a:p>
+        </p:txBody>
+      </p:sp>
+      <p:sp>
+        <p:nvSpPr>
+          <p:cNvPr id="187" name="Rectangle 186">
+            <a:extLst>
+              <a:ext uri="{FF2B5EF4-FFF2-40B4-BE49-F238E27FC236}">
+                <a16:creationId xmlns:a16="http://schemas.microsoft.com/office/drawing/2014/main" id="{6A1DA7D5-F196-433A-97EB-112072805B5D}"/>
+              </a:ext>
+            </a:extLst>
+          </p:cNvPr>
+          <p:cNvSpPr/>
+          <p:nvPr/>
+        </p:nvSpPr>
+        <p:spPr>
+          <a:xfrm>
+            <a:off x="11385515" y="5954003"/>
+            <a:ext cx="104472" cy="96501"/>
+          </a:xfrm>
+          <a:prstGeom prst="rect">
+            <a:avLst/>
+          </a:prstGeom>
+        </p:spPr>
+        <p:style>
+          <a:lnRef idx="2">
+            <a:schemeClr val="accent1">
+              <a:shade val="50000"/>
+            </a:schemeClr>
+          </a:lnRef>
+          <a:fillRef idx="1">
+            <a:schemeClr val="accent1"/>
+          </a:fillRef>
+          <a:effectRef idx="0">
+            <a:schemeClr val="accent1"/>
+          </a:effectRef>
+          <a:fontRef idx="minor">
+            <a:schemeClr val="lt1"/>
+          </a:fontRef>
+        </p:style>
+        <p:txBody>
+          <a:bodyPr rtlCol="0" anchor="ctr"/>
+          <a:lstStyle/>
+          <a:p>
+            <a:pPr algn="ctr"/>
+            <a:endParaRPr lang="zh-CN" altLang="en-US"/>
+          </a:p>
+        </p:txBody>
+      </p:sp>
+      <p:sp>
+        <p:nvSpPr>
+          <p:cNvPr id="188" name="Rectangle 187">
+            <a:extLst>
+              <a:ext uri="{FF2B5EF4-FFF2-40B4-BE49-F238E27FC236}">
+                <a16:creationId xmlns:a16="http://schemas.microsoft.com/office/drawing/2014/main" id="{788D00B2-C9DE-41A4-B727-F84A79E1A52E}"/>
+              </a:ext>
+            </a:extLst>
+          </p:cNvPr>
+          <p:cNvSpPr/>
+          <p:nvPr/>
+        </p:nvSpPr>
+        <p:spPr>
+          <a:xfrm>
+            <a:off x="10225662" y="5180697"/>
+            <a:ext cx="104472" cy="96501"/>
+          </a:xfrm>
+          <a:prstGeom prst="rect">
+            <a:avLst/>
+          </a:prstGeom>
+        </p:spPr>
+        <p:style>
+          <a:lnRef idx="2">
+            <a:schemeClr val="accent1">
+              <a:shade val="50000"/>
+            </a:schemeClr>
+          </a:lnRef>
+          <a:fillRef idx="1">
+            <a:schemeClr val="accent1"/>
+          </a:fillRef>
+          <a:effectRef idx="0">
+            <a:schemeClr val="accent1"/>
+          </a:effectRef>
+          <a:fontRef idx="minor">
+            <a:schemeClr val="lt1"/>
+          </a:fontRef>
+        </p:style>
+        <p:txBody>
+          <a:bodyPr rtlCol="0" anchor="ctr"/>
+          <a:lstStyle/>
+          <a:p>
+            <a:pPr algn="ctr"/>
+            <a:endParaRPr lang="zh-CN" altLang="en-US"/>
+          </a:p>
+        </p:txBody>
+      </p:sp>
+      <p:sp>
+        <p:nvSpPr>
+          <p:cNvPr id="189" name="Rectangle 188">
+            <a:extLst>
+              <a:ext uri="{FF2B5EF4-FFF2-40B4-BE49-F238E27FC236}">
+                <a16:creationId xmlns:a16="http://schemas.microsoft.com/office/drawing/2014/main" id="{B2DD9E85-6817-474B-B795-81F1CAEC9B09}"/>
+              </a:ext>
+            </a:extLst>
+          </p:cNvPr>
+          <p:cNvSpPr/>
+          <p:nvPr/>
+        </p:nvSpPr>
+        <p:spPr>
+          <a:xfrm>
+            <a:off x="10578395" y="4540920"/>
+            <a:ext cx="104472" cy="96501"/>
+          </a:xfrm>
+          <a:prstGeom prst="rect">
+            <a:avLst/>
+          </a:prstGeom>
+        </p:spPr>
+        <p:style>
+          <a:lnRef idx="2">
+            <a:schemeClr val="accent1">
+              <a:shade val="50000"/>
+            </a:schemeClr>
+          </a:lnRef>
+          <a:fillRef idx="1">
+            <a:schemeClr val="accent1"/>
+          </a:fillRef>
+          <a:effectRef idx="0">
+            <a:schemeClr val="accent1"/>
+          </a:effectRef>
+          <a:fontRef idx="minor">
+            <a:schemeClr val="lt1"/>
+          </a:fontRef>
+        </p:style>
+        <p:txBody>
+          <a:bodyPr rtlCol="0" anchor="ctr"/>
+          <a:lstStyle/>
+          <a:p>
+            <a:pPr algn="ctr"/>
+            <a:endParaRPr lang="zh-CN" altLang="en-US"/>
+          </a:p>
+        </p:txBody>
+      </p:sp>
+      <p:sp>
+        <p:nvSpPr>
+          <p:cNvPr id="190" name="Rectangle 189">
+            <a:extLst>
+              <a:ext uri="{FF2B5EF4-FFF2-40B4-BE49-F238E27FC236}">
+                <a16:creationId xmlns:a16="http://schemas.microsoft.com/office/drawing/2014/main" id="{6905A431-C498-40DB-9872-E9CC45671645}"/>
+              </a:ext>
+            </a:extLst>
+          </p:cNvPr>
+          <p:cNvSpPr/>
+          <p:nvPr/>
+        </p:nvSpPr>
+        <p:spPr>
+          <a:xfrm>
+            <a:off x="10950669" y="3942907"/>
+            <a:ext cx="104472" cy="96501"/>
+          </a:xfrm>
+          <a:prstGeom prst="rect">
+            <a:avLst/>
+          </a:prstGeom>
+        </p:spPr>
+        <p:style>
+          <a:lnRef idx="2">
+            <a:schemeClr val="accent1">
+              <a:shade val="50000"/>
+            </a:schemeClr>
+          </a:lnRef>
+          <a:fillRef idx="1">
+            <a:schemeClr val="accent1"/>
+          </a:fillRef>
+          <a:effectRef idx="0">
+            <a:schemeClr val="accent1"/>
+          </a:effectRef>
+          <a:fontRef idx="minor">
+            <a:schemeClr val="lt1"/>
+          </a:fontRef>
+        </p:style>
+        <p:txBody>
+          <a:bodyPr rtlCol="0" anchor="ctr"/>
+          <a:lstStyle/>
+          <a:p>
+            <a:pPr algn="ctr"/>
+            <a:endParaRPr lang="zh-CN" altLang="en-US"/>
+          </a:p>
+        </p:txBody>
+      </p:sp>
+      <p:cxnSp>
+        <p:nvCxnSpPr>
+          <p:cNvPr id="7" name="Straight Connector 6">
+            <a:extLst>
+              <a:ext uri="{FF2B5EF4-FFF2-40B4-BE49-F238E27FC236}">
+                <a16:creationId xmlns:a16="http://schemas.microsoft.com/office/drawing/2014/main" id="{98B018A3-A07F-4243-915D-BD7FD81F1B6C}"/>
+              </a:ext>
+            </a:extLst>
+          </p:cNvPr>
+          <p:cNvCxnSpPr>
+            <a:stCxn id="190" idx="3"/>
+            <a:endCxn id="169" idx="2"/>
+          </p:cNvCxnSpPr>
+          <p:nvPr/>
+        </p:nvCxnSpPr>
+        <p:spPr>
+          <a:xfrm>
+            <a:off x="11055141" y="3991158"/>
+            <a:ext cx="166146" cy="261"/>
+          </a:xfrm>
+          <a:prstGeom prst="line">
+            <a:avLst/>
+          </a:prstGeom>
+        </p:spPr>
+        <p:style>
+          <a:lnRef idx="1">
+            <a:schemeClr val="accent1"/>
+          </a:lnRef>
+          <a:fillRef idx="0">
+            <a:schemeClr val="accent1"/>
+          </a:fillRef>
+          <a:effectRef idx="0">
+            <a:schemeClr val="accent1"/>
+          </a:effectRef>
+          <a:fontRef idx="minor">
+            <a:schemeClr val="tx1"/>
+          </a:fontRef>
+        </p:style>
+      </p:cxnSp>
+      <p:cxnSp>
+        <p:nvCxnSpPr>
+          <p:cNvPr id="11" name="Straight Connector 10">
+            <a:extLst>
+              <a:ext uri="{FF2B5EF4-FFF2-40B4-BE49-F238E27FC236}">
+                <a16:creationId xmlns:a16="http://schemas.microsoft.com/office/drawing/2014/main" id="{02F61E14-4E6C-4562-8F62-FE398FDDCA15}"/>
+              </a:ext>
+            </a:extLst>
+          </p:cNvPr>
+          <p:cNvCxnSpPr>
+            <a:stCxn id="189" idx="3"/>
+            <a:endCxn id="168" idx="2"/>
+          </p:cNvCxnSpPr>
+          <p:nvPr/>
+        </p:nvCxnSpPr>
+        <p:spPr>
+          <a:xfrm>
+            <a:off x="10682867" y="4589171"/>
+            <a:ext cx="144649" cy="0"/>
+          </a:xfrm>
+          <a:prstGeom prst="line">
+            <a:avLst/>
+          </a:prstGeom>
+        </p:spPr>
+        <p:style>
+          <a:lnRef idx="1">
+            <a:schemeClr val="accent1"/>
+          </a:lnRef>
+          <a:fillRef idx="0">
+            <a:schemeClr val="accent1"/>
+          </a:fillRef>
+          <a:effectRef idx="0">
+            <a:schemeClr val="accent1"/>
+          </a:effectRef>
+          <a:fontRef idx="minor">
+            <a:schemeClr val="tx1"/>
+          </a:fontRef>
+        </p:style>
+      </p:cxnSp>
+      <p:cxnSp>
+        <p:nvCxnSpPr>
+          <p:cNvPr id="13" name="Straight Connector 12">
+            <a:extLst>
+              <a:ext uri="{FF2B5EF4-FFF2-40B4-BE49-F238E27FC236}">
+                <a16:creationId xmlns:a16="http://schemas.microsoft.com/office/drawing/2014/main" id="{3E5D7EDD-AC5B-4344-BD86-CAEDCBAA7485}"/>
+              </a:ext>
+            </a:extLst>
+          </p:cNvPr>
+          <p:cNvCxnSpPr>
+            <a:stCxn id="188" idx="3"/>
+            <a:endCxn id="165" idx="2"/>
+          </p:cNvCxnSpPr>
+          <p:nvPr/>
+        </p:nvCxnSpPr>
+        <p:spPr>
+          <a:xfrm>
+            <a:off x="10330134" y="5228948"/>
+            <a:ext cx="118628" cy="0"/>
+          </a:xfrm>
+          <a:prstGeom prst="line">
+            <a:avLst/>
+          </a:prstGeom>
+        </p:spPr>
+        <p:style>
+          <a:lnRef idx="1">
+            <a:schemeClr val="accent1"/>
+          </a:lnRef>
+          <a:fillRef idx="0">
+            <a:schemeClr val="accent1"/>
+          </a:fillRef>
+          <a:effectRef idx="0">
+            <a:schemeClr val="accent1"/>
+          </a:effectRef>
+          <a:fontRef idx="minor">
+            <a:schemeClr val="tx1"/>
+          </a:fontRef>
+        </p:style>
+      </p:cxnSp>
+      <p:cxnSp>
+        <p:nvCxnSpPr>
+          <p:cNvPr id="15" name="Straight Connector 14">
+            <a:extLst>
+              <a:ext uri="{FF2B5EF4-FFF2-40B4-BE49-F238E27FC236}">
+                <a16:creationId xmlns:a16="http://schemas.microsoft.com/office/drawing/2014/main" id="{E5C12FEA-7100-453D-96DF-E45C1988ED8E}"/>
+              </a:ext>
+            </a:extLst>
+          </p:cNvPr>
+          <p:cNvCxnSpPr>
+            <a:stCxn id="147" idx="6"/>
+            <a:endCxn id="189" idx="1"/>
+          </p:cNvCxnSpPr>
+          <p:nvPr/>
+        </p:nvCxnSpPr>
+        <p:spPr>
+          <a:xfrm>
+            <a:off x="10163127" y="4579384"/>
+            <a:ext cx="415268" cy="9787"/>
+          </a:xfrm>
+          <a:prstGeom prst="line">
+            <a:avLst/>
+          </a:prstGeom>
+        </p:spPr>
+        <p:style>
+          <a:lnRef idx="1">
+            <a:schemeClr val="accent1"/>
+          </a:lnRef>
+          <a:fillRef idx="0">
+            <a:schemeClr val="accent1"/>
+          </a:fillRef>
+          <a:effectRef idx="0">
+            <a:schemeClr val="accent1"/>
+          </a:effectRef>
+          <a:fontRef idx="minor">
+            <a:schemeClr val="tx1"/>
+          </a:fontRef>
+        </p:style>
+      </p:cxnSp>
+      <p:sp>
+        <p:nvSpPr>
+          <p:cNvPr id="193" name="Rectangle 192">
+            <a:extLst>
+              <a:ext uri="{FF2B5EF4-FFF2-40B4-BE49-F238E27FC236}">
+                <a16:creationId xmlns:a16="http://schemas.microsoft.com/office/drawing/2014/main" id="{4D5CDFFD-1961-47EA-BDCF-383C07A3A74B}"/>
+              </a:ext>
+            </a:extLst>
+          </p:cNvPr>
+          <p:cNvSpPr/>
+          <p:nvPr/>
+        </p:nvSpPr>
+        <p:spPr>
+          <a:xfrm>
+            <a:off x="9199299" y="4528434"/>
+            <a:ext cx="104472" cy="96501"/>
+          </a:xfrm>
+          <a:prstGeom prst="rect">
+            <a:avLst/>
+          </a:prstGeom>
+        </p:spPr>
+        <p:style>
+          <a:lnRef idx="2">
+            <a:schemeClr val="accent1">
+              <a:shade val="50000"/>
+            </a:schemeClr>
+          </a:lnRef>
+          <a:fillRef idx="1">
+            <a:schemeClr val="accent1"/>
+          </a:fillRef>
+          <a:effectRef idx="0">
+            <a:schemeClr val="accent1"/>
+          </a:effectRef>
+          <a:fontRef idx="minor">
+            <a:schemeClr val="lt1"/>
+          </a:fontRef>
+        </p:style>
+        <p:txBody>
+          <a:bodyPr rtlCol="0" anchor="ctr"/>
+          <a:lstStyle/>
+          <a:p>
+            <a:pPr algn="ctr"/>
+            <a:endParaRPr lang="zh-CN" altLang="en-US"/>
+          </a:p>
+        </p:txBody>
+      </p:sp>
+      <p:cxnSp>
+        <p:nvCxnSpPr>
+          <p:cNvPr id="18" name="Straight Connector 17">
+            <a:extLst>
+              <a:ext uri="{FF2B5EF4-FFF2-40B4-BE49-F238E27FC236}">
+                <a16:creationId xmlns:a16="http://schemas.microsoft.com/office/drawing/2014/main" id="{D1FD9BB2-BE60-435E-B2A5-4E1F59A307FD}"/>
+              </a:ext>
+            </a:extLst>
+          </p:cNvPr>
+          <p:cNvCxnSpPr>
+            <a:stCxn id="193" idx="3"/>
+            <a:endCxn id="147" idx="2"/>
+          </p:cNvCxnSpPr>
+          <p:nvPr/>
+        </p:nvCxnSpPr>
+        <p:spPr>
+          <a:xfrm>
+            <a:off x="9303771" y="4576685"/>
+            <a:ext cx="196885" cy="2699"/>
+          </a:xfrm>
+          <a:prstGeom prst="line">
+            <a:avLst/>
+          </a:prstGeom>
+        </p:spPr>
+        <p:style>
+          <a:lnRef idx="1">
+            <a:schemeClr val="accent1"/>
+          </a:lnRef>
+          <a:fillRef idx="0">
+            <a:schemeClr val="accent1"/>
+          </a:fillRef>
+          <a:effectRef idx="0">
+            <a:schemeClr val="accent1"/>
+          </a:effectRef>
+          <a:fontRef idx="minor">
+            <a:schemeClr val="tx1"/>
+          </a:fontRef>
+        </p:style>
+      </p:cxnSp>
+      <p:sp>
+        <p:nvSpPr>
+          <p:cNvPr id="194" name="TextBox 193">
+            <a:extLst>
+              <a:ext uri="{FF2B5EF4-FFF2-40B4-BE49-F238E27FC236}">
+                <a16:creationId xmlns:a16="http://schemas.microsoft.com/office/drawing/2014/main" id="{DDA9EF4F-0100-4ED5-80C0-5E9AD3FE9CBA}"/>
+              </a:ext>
+            </a:extLst>
+          </p:cNvPr>
+          <p:cNvSpPr txBox="1"/>
+          <p:nvPr/>
+        </p:nvSpPr>
+        <p:spPr>
+          <a:xfrm>
+            <a:off x="10890453" y="6066651"/>
+            <a:ext cx="1083951" cy="276999"/>
+          </a:xfrm>
+          <a:prstGeom prst="rect">
+            <a:avLst/>
+          </a:prstGeom>
+          <a:noFill/>
+        </p:spPr>
+        <p:txBody>
+          <a:bodyPr wrap="none" rtlCol="0">
+            <a:spAutoFit/>
+          </a:bodyPr>
+          <a:lstStyle/>
+          <a:p>
+            <a:r>
+              <a:rPr lang="en-US" altLang="zh-CN" sz="1200" dirty="0"/>
+              <a:t>f(c41,c42,c43)</a:t>
+            </a:r>
+            <a:endParaRPr lang="zh-CN" altLang="en-US" sz="1200" dirty="0"/>
+          </a:p>
+        </p:txBody>
+      </p:sp>
+      <p:sp>
+        <p:nvSpPr>
+          <p:cNvPr id="196" name="TextBox 195">
+            <a:extLst>
+              <a:ext uri="{FF2B5EF4-FFF2-40B4-BE49-F238E27FC236}">
+                <a16:creationId xmlns:a16="http://schemas.microsoft.com/office/drawing/2014/main" id="{B49A76B8-4F65-403D-9B77-D075C7B74BBC}"/>
+              </a:ext>
+            </a:extLst>
+          </p:cNvPr>
+          <p:cNvSpPr txBox="1"/>
+          <p:nvPr/>
+        </p:nvSpPr>
+        <p:spPr>
+          <a:xfrm>
+            <a:off x="10630709" y="3713446"/>
+            <a:ext cx="639919" cy="215444"/>
+          </a:xfrm>
+          <a:prstGeom prst="rect">
+            <a:avLst/>
+          </a:prstGeom>
+          <a:noFill/>
+        </p:spPr>
+        <p:txBody>
+          <a:bodyPr wrap="none" rtlCol="0">
+            <a:spAutoFit/>
+          </a:bodyPr>
+          <a:lstStyle/>
+          <a:p>
+            <a:r>
+              <a:rPr lang="en-US" altLang="zh-CN" sz="800" dirty="0"/>
+              <a:t>p(c43|c33)</a:t>
+            </a:r>
+            <a:endParaRPr lang="zh-CN" altLang="en-US" sz="800" dirty="0"/>
+          </a:p>
+        </p:txBody>
+      </p:sp>
+      <p:sp>
+        <p:nvSpPr>
+          <p:cNvPr id="211" name="TextBox 210">
+            <a:extLst>
+              <a:ext uri="{FF2B5EF4-FFF2-40B4-BE49-F238E27FC236}">
+                <a16:creationId xmlns:a16="http://schemas.microsoft.com/office/drawing/2014/main" id="{4DA15719-9C26-4DD6-9DC4-95FC35C193F8}"/>
+              </a:ext>
+            </a:extLst>
+          </p:cNvPr>
+          <p:cNvSpPr txBox="1"/>
+          <p:nvPr/>
+        </p:nvSpPr>
+        <p:spPr>
+          <a:xfrm>
+            <a:off x="9820845" y="6066651"/>
+            <a:ext cx="551754" cy="276999"/>
+          </a:xfrm>
+          <a:prstGeom prst="rect">
+            <a:avLst/>
+          </a:prstGeom>
+          <a:noFill/>
+        </p:spPr>
+        <p:txBody>
+          <a:bodyPr wrap="none" rtlCol="0">
+            <a:spAutoFit/>
+          </a:bodyPr>
+          <a:lstStyle/>
+          <a:p>
+            <a:r>
+              <a:rPr lang="en-US" altLang="zh-CN" sz="1200" dirty="0"/>
+              <a:t>f(c32)</a:t>
+            </a:r>
+            <a:endParaRPr lang="zh-CN" altLang="en-US" sz="1200" dirty="0"/>
+          </a:p>
+        </p:txBody>
+      </p:sp>
+      <p:sp>
+        <p:nvSpPr>
+          <p:cNvPr id="219" name="TextBox 218">
+            <a:extLst>
+              <a:ext uri="{FF2B5EF4-FFF2-40B4-BE49-F238E27FC236}">
+                <a16:creationId xmlns:a16="http://schemas.microsoft.com/office/drawing/2014/main" id="{B95EACF9-5CD9-48DF-A897-D1539B731887}"/>
+              </a:ext>
+            </a:extLst>
+          </p:cNvPr>
+          <p:cNvSpPr txBox="1"/>
+          <p:nvPr/>
+        </p:nvSpPr>
+        <p:spPr>
+          <a:xfrm>
+            <a:off x="10236938" y="4301672"/>
+            <a:ext cx="639919" cy="215444"/>
+          </a:xfrm>
+          <a:prstGeom prst="rect">
+            <a:avLst/>
+          </a:prstGeom>
+          <a:noFill/>
+        </p:spPr>
+        <p:txBody>
+          <a:bodyPr wrap="none" rtlCol="0">
+            <a:spAutoFit/>
+          </a:bodyPr>
+          <a:lstStyle/>
+          <a:p>
+            <a:r>
+              <a:rPr lang="en-US" altLang="zh-CN" sz="800" dirty="0"/>
+              <a:t>p(c42|c32)</a:t>
+            </a:r>
+            <a:endParaRPr lang="zh-CN" altLang="en-US" sz="800" dirty="0"/>
+          </a:p>
+        </p:txBody>
+      </p:sp>
+      <p:sp>
+        <p:nvSpPr>
+          <p:cNvPr id="220" name="TextBox 219">
+            <a:extLst>
+              <a:ext uri="{FF2B5EF4-FFF2-40B4-BE49-F238E27FC236}">
+                <a16:creationId xmlns:a16="http://schemas.microsoft.com/office/drawing/2014/main" id="{24D98DB4-71B4-4783-A5D6-CA260E2D51C7}"/>
+              </a:ext>
+            </a:extLst>
+          </p:cNvPr>
+          <p:cNvSpPr txBox="1"/>
+          <p:nvPr/>
+        </p:nvSpPr>
+        <p:spPr>
+          <a:xfrm>
+            <a:off x="9913277" y="4954265"/>
+            <a:ext cx="639919" cy="215444"/>
+          </a:xfrm>
+          <a:prstGeom prst="rect">
+            <a:avLst/>
+          </a:prstGeom>
+          <a:noFill/>
+        </p:spPr>
+        <p:txBody>
+          <a:bodyPr wrap="none" rtlCol="0">
+            <a:spAutoFit/>
+          </a:bodyPr>
+          <a:lstStyle/>
+          <a:p>
+            <a:r>
+              <a:rPr lang="en-US" altLang="zh-CN" sz="800" dirty="0"/>
+              <a:t>p(c41|c31)</a:t>
+            </a:r>
+            <a:endParaRPr lang="zh-CN" altLang="en-US" sz="800" dirty="0"/>
+          </a:p>
+        </p:txBody>
+      </p:sp>
+      <p:sp>
+        <p:nvSpPr>
+          <p:cNvPr id="226" name="Oval 225">
+            <a:extLst>
+              <a:ext uri="{FF2B5EF4-FFF2-40B4-BE49-F238E27FC236}">
+                <a16:creationId xmlns:a16="http://schemas.microsoft.com/office/drawing/2014/main" id="{06116581-3316-41FB-92A1-FB4FA6BBA571}"/>
+              </a:ext>
+            </a:extLst>
+          </p:cNvPr>
+          <p:cNvSpPr/>
+          <p:nvPr/>
+        </p:nvSpPr>
+        <p:spPr>
+          <a:xfrm>
+            <a:off x="8290710" y="871399"/>
+            <a:ext cx="662471" cy="654860"/>
+          </a:xfrm>
+          <a:prstGeom prst="ellipse">
+            <a:avLst/>
+          </a:prstGeom>
+          <a:noFill/>
+        </p:spPr>
+        <p:style>
+          <a:lnRef idx="2">
+            <a:schemeClr val="accent1">
+              <a:shade val="50000"/>
+            </a:schemeClr>
+          </a:lnRef>
+          <a:fillRef idx="1">
+            <a:schemeClr val="accent1"/>
+          </a:fillRef>
+          <a:effectRef idx="0">
+            <a:schemeClr val="accent1"/>
+          </a:effectRef>
+          <a:fontRef idx="minor">
+            <a:schemeClr val="lt1"/>
+          </a:fontRef>
+        </p:style>
+        <p:txBody>
+          <a:bodyPr rtlCol="0" anchor="ctr"/>
+          <a:lstStyle/>
+          <a:p>
+            <a:pPr algn="ctr"/>
+            <a:r>
+              <a:rPr lang="en-US" altLang="zh-CN" sz="1100" dirty="0">
+                <a:solidFill>
+                  <a:schemeClr val="tx1"/>
+                </a:solidFill>
+              </a:rPr>
+              <a:t>C32</a:t>
+            </a:r>
+            <a:endParaRPr lang="zh-CN" altLang="en-US" sz="1100" dirty="0">
+              <a:solidFill>
+                <a:schemeClr val="tx1"/>
+              </a:solidFill>
+            </a:endParaRPr>
+          </a:p>
+        </p:txBody>
+      </p:sp>
+      <p:cxnSp>
+        <p:nvCxnSpPr>
+          <p:cNvPr id="233" name="Straight Arrow Connector 232">
+            <a:extLst>
+              <a:ext uri="{FF2B5EF4-FFF2-40B4-BE49-F238E27FC236}">
+                <a16:creationId xmlns:a16="http://schemas.microsoft.com/office/drawing/2014/main" id="{C1F51CFE-27C2-4CB0-A14A-2D1673D7B81F}"/>
+              </a:ext>
+            </a:extLst>
+          </p:cNvPr>
+          <p:cNvCxnSpPr>
+            <a:cxnSpLocks/>
+            <a:stCxn id="226" idx="4"/>
+          </p:cNvCxnSpPr>
+          <p:nvPr/>
+        </p:nvCxnSpPr>
+        <p:spPr>
+          <a:xfrm>
+            <a:off x="8621946" y="1526259"/>
+            <a:ext cx="289299" cy="1107404"/>
+          </a:xfrm>
+          <a:prstGeom prst="straightConnector1">
+            <a:avLst/>
+          </a:prstGeom>
+          <a:ln>
+            <a:tailEnd type="triangle"/>
+          </a:ln>
+        </p:spPr>
+        <p:style>
+          <a:lnRef idx="1">
+            <a:schemeClr val="accent1"/>
+          </a:lnRef>
+          <a:fillRef idx="0">
+            <a:schemeClr val="accent1"/>
+          </a:fillRef>
+          <a:effectRef idx="0">
+            <a:schemeClr val="accent1"/>
+          </a:effectRef>
+          <a:fontRef idx="minor">
+            <a:schemeClr val="tx1"/>
+          </a:fontRef>
+        </p:style>
+      </p:cxnSp>
+      <p:sp>
+        <p:nvSpPr>
+          <p:cNvPr id="239" name="Oval 238">
+            <a:extLst>
+              <a:ext uri="{FF2B5EF4-FFF2-40B4-BE49-F238E27FC236}">
+                <a16:creationId xmlns:a16="http://schemas.microsoft.com/office/drawing/2014/main" id="{BFA2F74E-F1E6-4E4A-BA16-B9307264804B}"/>
+              </a:ext>
+            </a:extLst>
+          </p:cNvPr>
+          <p:cNvSpPr/>
+          <p:nvPr/>
+        </p:nvSpPr>
+        <p:spPr>
+          <a:xfrm>
+            <a:off x="9617570" y="881186"/>
+            <a:ext cx="662471" cy="654860"/>
+          </a:xfrm>
+          <a:prstGeom prst="ellipse">
+            <a:avLst/>
+          </a:prstGeom>
+          <a:noFill/>
+        </p:spPr>
+        <p:style>
+          <a:lnRef idx="2">
+            <a:schemeClr val="accent1">
+              <a:shade val="50000"/>
+            </a:schemeClr>
+          </a:lnRef>
+          <a:fillRef idx="1">
+            <a:schemeClr val="accent1"/>
+          </a:fillRef>
+          <a:effectRef idx="0">
+            <a:schemeClr val="accent1"/>
+          </a:effectRef>
+          <a:fontRef idx="minor">
+            <a:schemeClr val="lt1"/>
+          </a:fontRef>
+        </p:style>
+        <p:txBody>
+          <a:bodyPr rtlCol="0" anchor="ctr"/>
+          <a:lstStyle/>
+          <a:p>
+            <a:pPr algn="ctr"/>
+            <a:r>
+              <a:rPr lang="en-US" altLang="zh-CN" sz="1100" dirty="0">
+                <a:solidFill>
+                  <a:schemeClr val="tx1"/>
+                </a:solidFill>
+              </a:rPr>
+              <a:t>C42</a:t>
+            </a:r>
+            <a:endParaRPr lang="zh-CN" altLang="en-US" sz="1100" dirty="0">
+              <a:solidFill>
+                <a:schemeClr val="tx1"/>
+              </a:solidFill>
+            </a:endParaRPr>
+          </a:p>
+        </p:txBody>
+      </p:sp>
+      <p:cxnSp>
+        <p:nvCxnSpPr>
+          <p:cNvPr id="243" name="Straight Arrow Connector 242">
+            <a:extLst>
+              <a:ext uri="{FF2B5EF4-FFF2-40B4-BE49-F238E27FC236}">
+                <a16:creationId xmlns:a16="http://schemas.microsoft.com/office/drawing/2014/main" id="{BF57126B-354F-404C-845C-98297739496A}"/>
+              </a:ext>
+            </a:extLst>
+          </p:cNvPr>
+          <p:cNvCxnSpPr>
+            <a:cxnSpLocks/>
+            <a:stCxn id="239" idx="4"/>
+          </p:cNvCxnSpPr>
+          <p:nvPr/>
+        </p:nvCxnSpPr>
+        <p:spPr>
+          <a:xfrm>
+            <a:off x="9948806" y="1536046"/>
+            <a:ext cx="289299" cy="1107404"/>
+          </a:xfrm>
+          <a:prstGeom prst="straightConnector1">
+            <a:avLst/>
+          </a:prstGeom>
+          <a:ln>
+            <a:tailEnd type="triangle"/>
+          </a:ln>
+        </p:spPr>
+        <p:style>
+          <a:lnRef idx="1">
+            <a:schemeClr val="accent1"/>
+          </a:lnRef>
+          <a:fillRef idx="0">
+            <a:schemeClr val="accent1"/>
+          </a:fillRef>
+          <a:effectRef idx="0">
+            <a:schemeClr val="accent1"/>
+          </a:effectRef>
+          <a:fontRef idx="minor">
+            <a:schemeClr val="tx1"/>
+          </a:fontRef>
+        </p:style>
+      </p:cxnSp>
+      <p:sp>
+        <p:nvSpPr>
+          <p:cNvPr id="247" name="Rectangle 246">
+            <a:extLst>
+              <a:ext uri="{FF2B5EF4-FFF2-40B4-BE49-F238E27FC236}">
+                <a16:creationId xmlns:a16="http://schemas.microsoft.com/office/drawing/2014/main" id="{1F58F414-F721-4C46-81FC-14102D27953E}"/>
+              </a:ext>
+            </a:extLst>
+          </p:cNvPr>
+          <p:cNvSpPr/>
+          <p:nvPr/>
+        </p:nvSpPr>
+        <p:spPr>
+          <a:xfrm>
+            <a:off x="8848709" y="2563661"/>
+            <a:ext cx="104472" cy="96501"/>
+          </a:xfrm>
+          <a:prstGeom prst="rect">
+            <a:avLst/>
+          </a:prstGeom>
+        </p:spPr>
+        <p:style>
+          <a:lnRef idx="2">
+            <a:schemeClr val="accent1">
+              <a:shade val="50000"/>
+            </a:schemeClr>
+          </a:lnRef>
+          <a:fillRef idx="1">
+            <a:schemeClr val="accent1"/>
+          </a:fillRef>
+          <a:effectRef idx="0">
+            <a:schemeClr val="accent1"/>
+          </a:effectRef>
+          <a:fontRef idx="minor">
+            <a:schemeClr val="lt1"/>
+          </a:fontRef>
+        </p:style>
+        <p:txBody>
+          <a:bodyPr rtlCol="0" anchor="ctr"/>
+          <a:lstStyle/>
+          <a:p>
+            <a:pPr algn="ctr"/>
+            <a:endParaRPr lang="zh-CN" altLang="en-US"/>
+          </a:p>
+        </p:txBody>
+      </p:sp>
+      <p:sp>
+        <p:nvSpPr>
+          <p:cNvPr id="248" name="Rectangle 247">
+            <a:extLst>
+              <a:ext uri="{FF2B5EF4-FFF2-40B4-BE49-F238E27FC236}">
+                <a16:creationId xmlns:a16="http://schemas.microsoft.com/office/drawing/2014/main" id="{7F187734-8BDE-4AFE-8BD1-D4DA3250DAA2}"/>
+              </a:ext>
+            </a:extLst>
+          </p:cNvPr>
+          <p:cNvSpPr/>
+          <p:nvPr/>
+        </p:nvSpPr>
+        <p:spPr>
+          <a:xfrm>
+            <a:off x="10175569" y="2573448"/>
+            <a:ext cx="104472" cy="96501"/>
+          </a:xfrm>
+          <a:prstGeom prst="rect">
+            <a:avLst/>
+          </a:prstGeom>
+        </p:spPr>
+        <p:style>
+          <a:lnRef idx="2">
+            <a:schemeClr val="accent1">
+              <a:shade val="50000"/>
+            </a:schemeClr>
+          </a:lnRef>
+          <a:fillRef idx="1">
+            <a:schemeClr val="accent1"/>
+          </a:fillRef>
+          <a:effectRef idx="0">
+            <a:schemeClr val="accent1"/>
+          </a:effectRef>
+          <a:fontRef idx="minor">
+            <a:schemeClr val="lt1"/>
+          </a:fontRef>
+        </p:style>
+        <p:txBody>
+          <a:bodyPr rtlCol="0" anchor="ctr"/>
+          <a:lstStyle/>
+          <a:p>
+            <a:pPr algn="ctr"/>
+            <a:endParaRPr lang="zh-CN" altLang="en-US"/>
+          </a:p>
+        </p:txBody>
+      </p:sp>
+      <p:sp>
+        <p:nvSpPr>
+          <p:cNvPr id="250" name="Rectangle 249">
+            <a:extLst>
+              <a:ext uri="{FF2B5EF4-FFF2-40B4-BE49-F238E27FC236}">
+                <a16:creationId xmlns:a16="http://schemas.microsoft.com/office/drawing/2014/main" id="{6B3BB769-3B93-4A80-94F4-4DEDF88F606D}"/>
+              </a:ext>
+            </a:extLst>
+          </p:cNvPr>
+          <p:cNvSpPr/>
+          <p:nvPr/>
+        </p:nvSpPr>
+        <p:spPr>
+          <a:xfrm>
+            <a:off x="9368449" y="1160365"/>
+            <a:ext cx="104472" cy="96501"/>
+          </a:xfrm>
+          <a:prstGeom prst="rect">
+            <a:avLst/>
+          </a:prstGeom>
+        </p:spPr>
+        <p:style>
+          <a:lnRef idx="2">
+            <a:schemeClr val="accent1">
+              <a:shade val="50000"/>
+            </a:schemeClr>
+          </a:lnRef>
+          <a:fillRef idx="1">
+            <a:schemeClr val="accent1"/>
+          </a:fillRef>
+          <a:effectRef idx="0">
+            <a:schemeClr val="accent1"/>
+          </a:effectRef>
+          <a:fontRef idx="minor">
+            <a:schemeClr val="lt1"/>
+          </a:fontRef>
+        </p:style>
+        <p:txBody>
+          <a:bodyPr rtlCol="0" anchor="ctr"/>
+          <a:lstStyle/>
+          <a:p>
+            <a:pPr algn="ctr"/>
+            <a:endParaRPr lang="zh-CN" altLang="en-US"/>
+          </a:p>
+        </p:txBody>
+      </p:sp>
+      <p:cxnSp>
+        <p:nvCxnSpPr>
+          <p:cNvPr id="253" name="Straight Connector 252">
+            <a:extLst>
+              <a:ext uri="{FF2B5EF4-FFF2-40B4-BE49-F238E27FC236}">
+                <a16:creationId xmlns:a16="http://schemas.microsoft.com/office/drawing/2014/main" id="{38D06D4D-251D-4804-99B7-592FE414F2B8}"/>
+              </a:ext>
+            </a:extLst>
+          </p:cNvPr>
+          <p:cNvCxnSpPr>
+            <a:stCxn id="250" idx="3"/>
+            <a:endCxn id="239" idx="2"/>
+          </p:cNvCxnSpPr>
+          <p:nvPr/>
+        </p:nvCxnSpPr>
+        <p:spPr>
+          <a:xfrm>
+            <a:off x="9472921" y="1208616"/>
+            <a:ext cx="144649" cy="0"/>
+          </a:xfrm>
+          <a:prstGeom prst="line">
+            <a:avLst/>
+          </a:prstGeom>
+        </p:spPr>
+        <p:style>
+          <a:lnRef idx="1">
+            <a:schemeClr val="accent1"/>
+          </a:lnRef>
+          <a:fillRef idx="0">
+            <a:schemeClr val="accent1"/>
+          </a:fillRef>
+          <a:effectRef idx="0">
+            <a:schemeClr val="accent1"/>
+          </a:effectRef>
+          <a:fontRef idx="minor">
+            <a:schemeClr val="tx1"/>
+          </a:fontRef>
+        </p:style>
+      </p:cxnSp>
+      <p:cxnSp>
+        <p:nvCxnSpPr>
+          <p:cNvPr id="255" name="Straight Connector 254">
+            <a:extLst>
+              <a:ext uri="{FF2B5EF4-FFF2-40B4-BE49-F238E27FC236}">
+                <a16:creationId xmlns:a16="http://schemas.microsoft.com/office/drawing/2014/main" id="{CCF62221-47BC-4B69-9EED-392089E707AC}"/>
+              </a:ext>
+            </a:extLst>
+          </p:cNvPr>
+          <p:cNvCxnSpPr>
+            <a:stCxn id="226" idx="6"/>
+            <a:endCxn id="250" idx="1"/>
+          </p:cNvCxnSpPr>
+          <p:nvPr/>
+        </p:nvCxnSpPr>
+        <p:spPr>
+          <a:xfrm>
+            <a:off x="8953181" y="1198829"/>
+            <a:ext cx="415268" cy="9787"/>
+          </a:xfrm>
+          <a:prstGeom prst="line">
+            <a:avLst/>
+          </a:prstGeom>
+        </p:spPr>
+        <p:style>
+          <a:lnRef idx="1">
+            <a:schemeClr val="accent1"/>
+          </a:lnRef>
+          <a:fillRef idx="0">
+            <a:schemeClr val="accent1"/>
+          </a:fillRef>
+          <a:effectRef idx="0">
+            <a:schemeClr val="accent1"/>
+          </a:effectRef>
+          <a:fontRef idx="minor">
+            <a:schemeClr val="tx1"/>
+          </a:fontRef>
+        </p:style>
+      </p:cxnSp>
+      <p:sp>
+        <p:nvSpPr>
+          <p:cNvPr id="256" name="Rectangle 255">
+            <a:extLst>
+              <a:ext uri="{FF2B5EF4-FFF2-40B4-BE49-F238E27FC236}">
+                <a16:creationId xmlns:a16="http://schemas.microsoft.com/office/drawing/2014/main" id="{16B96591-7F73-46D6-8CD5-BDE877A58EAC}"/>
+              </a:ext>
+            </a:extLst>
+          </p:cNvPr>
+          <p:cNvSpPr/>
+          <p:nvPr/>
+        </p:nvSpPr>
+        <p:spPr>
+          <a:xfrm>
+            <a:off x="7989353" y="1147879"/>
+            <a:ext cx="104472" cy="96501"/>
+          </a:xfrm>
+          <a:prstGeom prst="rect">
+            <a:avLst/>
+          </a:prstGeom>
+        </p:spPr>
+        <p:style>
+          <a:lnRef idx="2">
+            <a:schemeClr val="accent1">
+              <a:shade val="50000"/>
+            </a:schemeClr>
+          </a:lnRef>
+          <a:fillRef idx="1">
+            <a:schemeClr val="accent1"/>
+          </a:fillRef>
+          <a:effectRef idx="0">
+            <a:schemeClr val="accent1"/>
+          </a:effectRef>
+          <a:fontRef idx="minor">
+            <a:schemeClr val="lt1"/>
+          </a:fontRef>
+        </p:style>
+        <p:txBody>
+          <a:bodyPr rtlCol="0" anchor="ctr"/>
+          <a:lstStyle/>
+          <a:p>
+            <a:pPr algn="ctr"/>
+            <a:endParaRPr lang="zh-CN" altLang="en-US"/>
+          </a:p>
+        </p:txBody>
+      </p:sp>
+      <p:cxnSp>
+        <p:nvCxnSpPr>
+          <p:cNvPr id="257" name="Straight Connector 256">
+            <a:extLst>
+              <a:ext uri="{FF2B5EF4-FFF2-40B4-BE49-F238E27FC236}">
+                <a16:creationId xmlns:a16="http://schemas.microsoft.com/office/drawing/2014/main" id="{3B5F27EA-E8E4-4023-9541-D8327D01EC00}"/>
+              </a:ext>
+            </a:extLst>
+          </p:cNvPr>
+          <p:cNvCxnSpPr>
+            <a:stCxn id="256" idx="3"/>
+            <a:endCxn id="226" idx="2"/>
+          </p:cNvCxnSpPr>
+          <p:nvPr/>
+        </p:nvCxnSpPr>
+        <p:spPr>
+          <a:xfrm>
+            <a:off x="8093825" y="1196130"/>
+            <a:ext cx="196885" cy="2699"/>
+          </a:xfrm>
+          <a:prstGeom prst="line">
+            <a:avLst/>
+          </a:prstGeom>
+        </p:spPr>
+        <p:style>
+          <a:lnRef idx="1">
+            <a:schemeClr val="accent1"/>
+          </a:lnRef>
+          <a:fillRef idx="0">
+            <a:schemeClr val="accent1"/>
+          </a:fillRef>
+          <a:effectRef idx="0">
+            <a:schemeClr val="accent1"/>
+          </a:effectRef>
+          <a:fontRef idx="minor">
+            <a:schemeClr val="tx1"/>
+          </a:fontRef>
+        </p:style>
+      </p:cxnSp>
+      <p:sp>
+        <p:nvSpPr>
+          <p:cNvPr id="258" name="TextBox 257">
+            <a:extLst>
+              <a:ext uri="{FF2B5EF4-FFF2-40B4-BE49-F238E27FC236}">
+                <a16:creationId xmlns:a16="http://schemas.microsoft.com/office/drawing/2014/main" id="{55AB394A-8B47-47F5-8694-411A619B65FD}"/>
+              </a:ext>
+            </a:extLst>
+          </p:cNvPr>
+          <p:cNvSpPr txBox="1"/>
+          <p:nvPr/>
+        </p:nvSpPr>
+        <p:spPr>
+          <a:xfrm>
+            <a:off x="9890057" y="2686096"/>
+            <a:ext cx="551754" cy="276999"/>
+          </a:xfrm>
+          <a:prstGeom prst="rect">
+            <a:avLst/>
+          </a:prstGeom>
+          <a:noFill/>
+        </p:spPr>
+        <p:txBody>
+          <a:bodyPr wrap="none" rtlCol="0">
+            <a:spAutoFit/>
+          </a:bodyPr>
+          <a:lstStyle/>
+          <a:p>
+            <a:r>
+              <a:rPr lang="en-US" altLang="zh-CN" sz="1200" dirty="0"/>
+              <a:t>f(c42)</a:t>
+            </a:r>
+            <a:endParaRPr lang="zh-CN" altLang="en-US" sz="1200" dirty="0"/>
+          </a:p>
+        </p:txBody>
+      </p:sp>
+      <p:sp>
+        <p:nvSpPr>
+          <p:cNvPr id="260" name="TextBox 259">
+            <a:extLst>
+              <a:ext uri="{FF2B5EF4-FFF2-40B4-BE49-F238E27FC236}">
+                <a16:creationId xmlns:a16="http://schemas.microsoft.com/office/drawing/2014/main" id="{920B79AB-A4C0-4CB3-A592-117E5FA99177}"/>
+              </a:ext>
+            </a:extLst>
+          </p:cNvPr>
+          <p:cNvSpPr txBox="1"/>
+          <p:nvPr/>
+        </p:nvSpPr>
+        <p:spPr>
+          <a:xfrm>
+            <a:off x="8610899" y="2686096"/>
+            <a:ext cx="551754" cy="276999"/>
+          </a:xfrm>
+          <a:prstGeom prst="rect">
+            <a:avLst/>
+          </a:prstGeom>
+          <a:noFill/>
+        </p:spPr>
+        <p:txBody>
+          <a:bodyPr wrap="none" rtlCol="0">
+            <a:spAutoFit/>
+          </a:bodyPr>
+          <a:lstStyle/>
+          <a:p>
+            <a:r>
+              <a:rPr lang="en-US" altLang="zh-CN" sz="1200" dirty="0"/>
+              <a:t>f(c32)</a:t>
+            </a:r>
+            <a:endParaRPr lang="zh-CN" altLang="en-US" sz="1200" dirty="0"/>
+          </a:p>
+        </p:txBody>
+      </p:sp>
+      <p:sp>
+        <p:nvSpPr>
+          <p:cNvPr id="261" name="TextBox 260">
+            <a:extLst>
+              <a:ext uri="{FF2B5EF4-FFF2-40B4-BE49-F238E27FC236}">
+                <a16:creationId xmlns:a16="http://schemas.microsoft.com/office/drawing/2014/main" id="{027BEC01-0679-4464-BAEE-D4638244857B}"/>
+              </a:ext>
+            </a:extLst>
+          </p:cNvPr>
+          <p:cNvSpPr txBox="1"/>
+          <p:nvPr/>
+        </p:nvSpPr>
+        <p:spPr>
+          <a:xfrm>
+            <a:off x="9026992" y="921117"/>
+            <a:ext cx="639919" cy="215444"/>
+          </a:xfrm>
+          <a:prstGeom prst="rect">
+            <a:avLst/>
+          </a:prstGeom>
+          <a:noFill/>
+        </p:spPr>
+        <p:txBody>
+          <a:bodyPr wrap="none" rtlCol="0">
+            <a:spAutoFit/>
+          </a:bodyPr>
+          <a:lstStyle/>
+          <a:p>
+            <a:r>
+              <a:rPr lang="en-US" altLang="zh-CN" sz="800" dirty="0"/>
+              <a:t>p(c42|c32)</a:t>
+            </a:r>
+            <a:endParaRPr lang="zh-CN" altLang="en-US" sz="800" dirty="0"/>
+          </a:p>
+        </p:txBody>
+      </p:sp>
+      <p:sp>
+        <p:nvSpPr>
+          <p:cNvPr id="287" name="Oval 286">
+            <a:extLst>
+              <a:ext uri="{FF2B5EF4-FFF2-40B4-BE49-F238E27FC236}">
+                <a16:creationId xmlns:a16="http://schemas.microsoft.com/office/drawing/2014/main" id="{DF46B832-69AC-4F30-9B68-5853FE8B3E14}"/>
+              </a:ext>
+            </a:extLst>
+          </p:cNvPr>
+          <p:cNvSpPr/>
+          <p:nvPr/>
+        </p:nvSpPr>
+        <p:spPr>
+          <a:xfrm>
+            <a:off x="7093825" y="871399"/>
+            <a:ext cx="662471" cy="654860"/>
+          </a:xfrm>
+          <a:prstGeom prst="ellipse">
+            <a:avLst/>
+          </a:prstGeom>
+          <a:noFill/>
+        </p:spPr>
+        <p:style>
+          <a:lnRef idx="2">
+            <a:schemeClr val="accent1">
+              <a:shade val="50000"/>
+            </a:schemeClr>
+          </a:lnRef>
+          <a:fillRef idx="1">
+            <a:schemeClr val="accent1"/>
+          </a:fillRef>
+          <a:effectRef idx="0">
+            <a:schemeClr val="accent1"/>
+          </a:effectRef>
+          <a:fontRef idx="minor">
+            <a:schemeClr val="lt1"/>
+          </a:fontRef>
+        </p:style>
+        <p:txBody>
+          <a:bodyPr rtlCol="0" anchor="ctr"/>
+          <a:lstStyle/>
+          <a:p>
+            <a:pPr algn="ctr"/>
+            <a:r>
+              <a:rPr lang="en-US" altLang="zh-CN" sz="1100" dirty="0">
+                <a:solidFill>
+                  <a:schemeClr val="tx1"/>
+                </a:solidFill>
+              </a:rPr>
+              <a:t>C22</a:t>
+            </a:r>
+            <a:endParaRPr lang="zh-CN" altLang="en-US" sz="1100" dirty="0">
+              <a:solidFill>
+                <a:schemeClr val="tx1"/>
+              </a:solidFill>
+            </a:endParaRPr>
+          </a:p>
+        </p:txBody>
+      </p:sp>
+      <p:cxnSp>
+        <p:nvCxnSpPr>
+          <p:cNvPr id="288" name="Straight Arrow Connector 287">
+            <a:extLst>
+              <a:ext uri="{FF2B5EF4-FFF2-40B4-BE49-F238E27FC236}">
+                <a16:creationId xmlns:a16="http://schemas.microsoft.com/office/drawing/2014/main" id="{EDC192BC-85A2-4BCB-91C2-51FC45258E67}"/>
+              </a:ext>
+            </a:extLst>
+          </p:cNvPr>
+          <p:cNvCxnSpPr>
+            <a:cxnSpLocks/>
+            <a:stCxn id="287" idx="4"/>
+          </p:cNvCxnSpPr>
+          <p:nvPr/>
+        </p:nvCxnSpPr>
+        <p:spPr>
+          <a:xfrm>
+            <a:off x="7425061" y="1526259"/>
+            <a:ext cx="289299" cy="1107404"/>
+          </a:xfrm>
+          <a:prstGeom prst="straightConnector1">
+            <a:avLst/>
+          </a:prstGeom>
+          <a:ln>
+            <a:tailEnd type="triangle"/>
+          </a:ln>
+        </p:spPr>
+        <p:style>
+          <a:lnRef idx="1">
+            <a:schemeClr val="accent1"/>
+          </a:lnRef>
+          <a:fillRef idx="0">
+            <a:schemeClr val="accent1"/>
+          </a:fillRef>
+          <a:effectRef idx="0">
+            <a:schemeClr val="accent1"/>
+          </a:effectRef>
+          <a:fontRef idx="minor">
+            <a:schemeClr val="tx1"/>
+          </a:fontRef>
+        </p:style>
+      </p:cxnSp>
+      <p:sp>
+        <p:nvSpPr>
+          <p:cNvPr id="289" name="Rectangle 288">
+            <a:extLst>
+              <a:ext uri="{FF2B5EF4-FFF2-40B4-BE49-F238E27FC236}">
+                <a16:creationId xmlns:a16="http://schemas.microsoft.com/office/drawing/2014/main" id="{371A4B40-55F9-4B4D-9EF3-2789CA2CB83B}"/>
+              </a:ext>
+            </a:extLst>
+          </p:cNvPr>
+          <p:cNvSpPr/>
+          <p:nvPr/>
+        </p:nvSpPr>
+        <p:spPr>
+          <a:xfrm>
+            <a:off x="7651824" y="2563661"/>
+            <a:ext cx="104472" cy="96501"/>
+          </a:xfrm>
+          <a:prstGeom prst="rect">
+            <a:avLst/>
+          </a:prstGeom>
+        </p:spPr>
+        <p:style>
+          <a:lnRef idx="2">
+            <a:schemeClr val="accent1">
+              <a:shade val="50000"/>
+            </a:schemeClr>
+          </a:lnRef>
+          <a:fillRef idx="1">
+            <a:schemeClr val="accent1"/>
+          </a:fillRef>
+          <a:effectRef idx="0">
+            <a:schemeClr val="accent1"/>
+          </a:effectRef>
+          <a:fontRef idx="minor">
+            <a:schemeClr val="lt1"/>
+          </a:fontRef>
+        </p:style>
+        <p:txBody>
+          <a:bodyPr rtlCol="0" anchor="ctr"/>
+          <a:lstStyle/>
+          <a:p>
+            <a:pPr algn="ctr"/>
+            <a:endParaRPr lang="zh-CN" altLang="en-US"/>
+          </a:p>
+        </p:txBody>
+      </p:sp>
+      <p:sp>
+        <p:nvSpPr>
+          <p:cNvPr id="290" name="Rectangle 289">
+            <a:extLst>
+              <a:ext uri="{FF2B5EF4-FFF2-40B4-BE49-F238E27FC236}">
+                <a16:creationId xmlns:a16="http://schemas.microsoft.com/office/drawing/2014/main" id="{F70F0C3E-4CDB-4455-8C43-14CC253E977B}"/>
+              </a:ext>
+            </a:extLst>
+          </p:cNvPr>
+          <p:cNvSpPr/>
+          <p:nvPr/>
+        </p:nvSpPr>
+        <p:spPr>
+          <a:xfrm>
+            <a:off x="6792468" y="1147879"/>
+            <a:ext cx="104472" cy="96501"/>
+          </a:xfrm>
+          <a:prstGeom prst="rect">
+            <a:avLst/>
+          </a:prstGeom>
+        </p:spPr>
+        <p:style>
+          <a:lnRef idx="2">
+            <a:schemeClr val="accent1">
+              <a:shade val="50000"/>
+            </a:schemeClr>
+          </a:lnRef>
+          <a:fillRef idx="1">
+            <a:schemeClr val="accent1"/>
+          </a:fillRef>
+          <a:effectRef idx="0">
+            <a:schemeClr val="accent1"/>
+          </a:effectRef>
+          <a:fontRef idx="minor">
+            <a:schemeClr val="lt1"/>
+          </a:fontRef>
+        </p:style>
+        <p:txBody>
+          <a:bodyPr rtlCol="0" anchor="ctr"/>
+          <a:lstStyle/>
+          <a:p>
+            <a:pPr algn="ctr"/>
+            <a:endParaRPr lang="zh-CN" altLang="en-US"/>
+          </a:p>
+        </p:txBody>
+      </p:sp>
+      <p:cxnSp>
+        <p:nvCxnSpPr>
+          <p:cNvPr id="291" name="Straight Connector 290">
+            <a:extLst>
+              <a:ext uri="{FF2B5EF4-FFF2-40B4-BE49-F238E27FC236}">
+                <a16:creationId xmlns:a16="http://schemas.microsoft.com/office/drawing/2014/main" id="{2CA8646E-8390-470C-9B2F-894ACB722879}"/>
+              </a:ext>
+            </a:extLst>
+          </p:cNvPr>
+          <p:cNvCxnSpPr>
+            <a:stCxn id="290" idx="3"/>
+            <a:endCxn id="287" idx="2"/>
+          </p:cNvCxnSpPr>
+          <p:nvPr/>
+        </p:nvCxnSpPr>
+        <p:spPr>
+          <a:xfrm>
+            <a:off x="6896940" y="1196130"/>
+            <a:ext cx="196885" cy="2699"/>
+          </a:xfrm>
+          <a:prstGeom prst="line">
+            <a:avLst/>
+          </a:prstGeom>
+        </p:spPr>
+        <p:style>
+          <a:lnRef idx="1">
+            <a:schemeClr val="accent1"/>
+          </a:lnRef>
+          <a:fillRef idx="0">
+            <a:schemeClr val="accent1"/>
+          </a:fillRef>
+          <a:effectRef idx="0">
+            <a:schemeClr val="accent1"/>
+          </a:effectRef>
+          <a:fontRef idx="minor">
+            <a:schemeClr val="tx1"/>
+          </a:fontRef>
+        </p:style>
+      </p:cxnSp>
+      <p:sp>
+        <p:nvSpPr>
+          <p:cNvPr id="292" name="TextBox 291">
+            <a:extLst>
+              <a:ext uri="{FF2B5EF4-FFF2-40B4-BE49-F238E27FC236}">
+                <a16:creationId xmlns:a16="http://schemas.microsoft.com/office/drawing/2014/main" id="{AD7BF6E4-4BBA-4204-AAE1-639E549D99A5}"/>
+              </a:ext>
+            </a:extLst>
+          </p:cNvPr>
+          <p:cNvSpPr txBox="1"/>
+          <p:nvPr/>
+        </p:nvSpPr>
+        <p:spPr>
+          <a:xfrm>
+            <a:off x="7414014" y="2686096"/>
+            <a:ext cx="551754" cy="276999"/>
+          </a:xfrm>
+          <a:prstGeom prst="rect">
+            <a:avLst/>
+          </a:prstGeom>
+          <a:noFill/>
+        </p:spPr>
+        <p:txBody>
+          <a:bodyPr wrap="none" rtlCol="0">
+            <a:spAutoFit/>
+          </a:bodyPr>
+          <a:lstStyle/>
+          <a:p>
+            <a:r>
+              <a:rPr lang="en-US" altLang="zh-CN" sz="1200" dirty="0"/>
+              <a:t>f(c22)</a:t>
+            </a:r>
+            <a:endParaRPr lang="zh-CN" altLang="en-US" sz="1200" dirty="0"/>
+          </a:p>
+        </p:txBody>
+      </p:sp>
+      <p:sp>
+        <p:nvSpPr>
+          <p:cNvPr id="293" name="Oval 292">
+            <a:extLst>
+              <a:ext uri="{FF2B5EF4-FFF2-40B4-BE49-F238E27FC236}">
+                <a16:creationId xmlns:a16="http://schemas.microsoft.com/office/drawing/2014/main" id="{D111ED40-AEE0-45C4-9057-5C905C1152F4}"/>
+              </a:ext>
+            </a:extLst>
+          </p:cNvPr>
+          <p:cNvSpPr/>
+          <p:nvPr/>
+        </p:nvSpPr>
+        <p:spPr>
+          <a:xfrm>
+            <a:off x="5873827" y="870235"/>
+            <a:ext cx="662471" cy="654860"/>
+          </a:xfrm>
+          <a:prstGeom prst="ellipse">
+            <a:avLst/>
+          </a:prstGeom>
+          <a:noFill/>
+        </p:spPr>
+        <p:style>
+          <a:lnRef idx="2">
+            <a:schemeClr val="accent1">
+              <a:shade val="50000"/>
+            </a:schemeClr>
+          </a:lnRef>
+          <a:fillRef idx="1">
+            <a:schemeClr val="accent1"/>
+          </a:fillRef>
+          <a:effectRef idx="0">
+            <a:schemeClr val="accent1"/>
+          </a:effectRef>
+          <a:fontRef idx="minor">
+            <a:schemeClr val="lt1"/>
+          </a:fontRef>
+        </p:style>
+        <p:txBody>
+          <a:bodyPr rtlCol="0" anchor="ctr"/>
+          <a:lstStyle/>
+          <a:p>
+            <a:pPr algn="ctr"/>
+            <a:r>
+              <a:rPr lang="en-US" altLang="zh-CN" sz="1100" dirty="0">
+                <a:solidFill>
+                  <a:schemeClr val="tx1"/>
+                </a:solidFill>
+              </a:rPr>
+              <a:t>C12</a:t>
+            </a:r>
+            <a:endParaRPr lang="zh-CN" altLang="en-US" sz="1100" dirty="0">
+              <a:solidFill>
+                <a:schemeClr val="tx1"/>
+              </a:solidFill>
+            </a:endParaRPr>
+          </a:p>
+        </p:txBody>
+      </p:sp>
+      <p:cxnSp>
+        <p:nvCxnSpPr>
+          <p:cNvPr id="294" name="Straight Arrow Connector 293">
+            <a:extLst>
+              <a:ext uri="{FF2B5EF4-FFF2-40B4-BE49-F238E27FC236}">
+                <a16:creationId xmlns:a16="http://schemas.microsoft.com/office/drawing/2014/main" id="{7A3E51EB-F262-4CCF-A6A2-CC6C8E7DCCD7}"/>
+              </a:ext>
+            </a:extLst>
+          </p:cNvPr>
+          <p:cNvCxnSpPr>
+            <a:cxnSpLocks/>
+            <a:stCxn id="293" idx="4"/>
+          </p:cNvCxnSpPr>
+          <p:nvPr/>
+        </p:nvCxnSpPr>
+        <p:spPr>
+          <a:xfrm>
+            <a:off x="6205063" y="1525095"/>
+            <a:ext cx="289299" cy="1107404"/>
+          </a:xfrm>
+          <a:prstGeom prst="straightConnector1">
+            <a:avLst/>
+          </a:prstGeom>
+          <a:ln>
+            <a:tailEnd type="triangle"/>
+          </a:ln>
+        </p:spPr>
+        <p:style>
+          <a:lnRef idx="1">
+            <a:schemeClr val="accent1"/>
+          </a:lnRef>
+          <a:fillRef idx="0">
+            <a:schemeClr val="accent1"/>
+          </a:fillRef>
+          <a:effectRef idx="0">
+            <a:schemeClr val="accent1"/>
+          </a:effectRef>
+          <a:fontRef idx="minor">
+            <a:schemeClr val="tx1"/>
+          </a:fontRef>
+        </p:style>
+      </p:cxnSp>
+      <p:sp>
+        <p:nvSpPr>
+          <p:cNvPr id="295" name="Rectangle 294">
+            <a:extLst>
+              <a:ext uri="{FF2B5EF4-FFF2-40B4-BE49-F238E27FC236}">
+                <a16:creationId xmlns:a16="http://schemas.microsoft.com/office/drawing/2014/main" id="{F8479379-33C1-4A9D-AE4C-C0108D07FF29}"/>
+              </a:ext>
+            </a:extLst>
+          </p:cNvPr>
+          <p:cNvSpPr/>
+          <p:nvPr/>
+        </p:nvSpPr>
+        <p:spPr>
+          <a:xfrm>
+            <a:off x="6431826" y="2562497"/>
+            <a:ext cx="104472" cy="96501"/>
+          </a:xfrm>
+          <a:prstGeom prst="rect">
+            <a:avLst/>
+          </a:prstGeom>
+        </p:spPr>
+        <p:style>
+          <a:lnRef idx="2">
+            <a:schemeClr val="accent1">
+              <a:shade val="50000"/>
+            </a:schemeClr>
+          </a:lnRef>
+          <a:fillRef idx="1">
+            <a:schemeClr val="accent1"/>
+          </a:fillRef>
+          <a:effectRef idx="0">
+            <a:schemeClr val="accent1"/>
+          </a:effectRef>
+          <a:fontRef idx="minor">
+            <a:schemeClr val="lt1"/>
+          </a:fontRef>
+        </p:style>
+        <p:txBody>
+          <a:bodyPr rtlCol="0" anchor="ctr"/>
+          <a:lstStyle/>
+          <a:p>
+            <a:pPr algn="ctr"/>
+            <a:endParaRPr lang="zh-CN" altLang="en-US"/>
+          </a:p>
+        </p:txBody>
+      </p:sp>
+      <p:sp>
+        <p:nvSpPr>
+          <p:cNvPr id="296" name="Rectangle 295">
+            <a:extLst>
+              <a:ext uri="{FF2B5EF4-FFF2-40B4-BE49-F238E27FC236}">
+                <a16:creationId xmlns:a16="http://schemas.microsoft.com/office/drawing/2014/main" id="{495DB378-15F7-4D0F-BA16-A9AC96258194}"/>
+              </a:ext>
+            </a:extLst>
+          </p:cNvPr>
+          <p:cNvSpPr/>
+          <p:nvPr/>
+        </p:nvSpPr>
+        <p:spPr>
+          <a:xfrm>
+            <a:off x="5572470" y="1146715"/>
+            <a:ext cx="104472" cy="96501"/>
+          </a:xfrm>
+          <a:prstGeom prst="rect">
+            <a:avLst/>
+          </a:prstGeom>
+        </p:spPr>
+        <p:style>
+          <a:lnRef idx="2">
+            <a:schemeClr val="accent1">
+              <a:shade val="50000"/>
+            </a:schemeClr>
+          </a:lnRef>
+          <a:fillRef idx="1">
+            <a:schemeClr val="accent1"/>
+          </a:fillRef>
+          <a:effectRef idx="0">
+            <a:schemeClr val="accent1"/>
+          </a:effectRef>
+          <a:fontRef idx="minor">
+            <a:schemeClr val="lt1"/>
+          </a:fontRef>
+        </p:style>
+        <p:txBody>
+          <a:bodyPr rtlCol="0" anchor="ctr"/>
+          <a:lstStyle/>
+          <a:p>
+            <a:pPr algn="ctr"/>
+            <a:endParaRPr lang="zh-CN" altLang="en-US"/>
+          </a:p>
+        </p:txBody>
+      </p:sp>
+      <p:cxnSp>
+        <p:nvCxnSpPr>
+          <p:cNvPr id="297" name="Straight Connector 296">
+            <a:extLst>
+              <a:ext uri="{FF2B5EF4-FFF2-40B4-BE49-F238E27FC236}">
+                <a16:creationId xmlns:a16="http://schemas.microsoft.com/office/drawing/2014/main" id="{894DBEB2-F59E-4DEC-A6C2-4CBA33A1A6D0}"/>
+              </a:ext>
+            </a:extLst>
+          </p:cNvPr>
+          <p:cNvCxnSpPr>
+            <a:stCxn id="296" idx="3"/>
+            <a:endCxn id="293" idx="2"/>
+          </p:cNvCxnSpPr>
+          <p:nvPr/>
+        </p:nvCxnSpPr>
+        <p:spPr>
+          <a:xfrm>
+            <a:off x="5676942" y="1194966"/>
+            <a:ext cx="196885" cy="2699"/>
+          </a:xfrm>
+          <a:prstGeom prst="line">
+            <a:avLst/>
+          </a:prstGeom>
+        </p:spPr>
+        <p:style>
+          <a:lnRef idx="1">
+            <a:schemeClr val="accent1"/>
+          </a:lnRef>
+          <a:fillRef idx="0">
+            <a:schemeClr val="accent1"/>
+          </a:fillRef>
+          <a:effectRef idx="0">
+            <a:schemeClr val="accent1"/>
+          </a:effectRef>
+          <a:fontRef idx="minor">
+            <a:schemeClr val="tx1"/>
+          </a:fontRef>
+        </p:style>
+      </p:cxnSp>
+      <p:sp>
+        <p:nvSpPr>
+          <p:cNvPr id="298" name="TextBox 297">
+            <a:extLst>
+              <a:ext uri="{FF2B5EF4-FFF2-40B4-BE49-F238E27FC236}">
+                <a16:creationId xmlns:a16="http://schemas.microsoft.com/office/drawing/2014/main" id="{6E549CC1-6DA6-4DEA-8B99-B9C579010BC7}"/>
+              </a:ext>
+            </a:extLst>
+          </p:cNvPr>
+          <p:cNvSpPr txBox="1"/>
+          <p:nvPr/>
+        </p:nvSpPr>
+        <p:spPr>
+          <a:xfrm>
+            <a:off x="6194016" y="2684932"/>
+            <a:ext cx="551754" cy="276999"/>
+          </a:xfrm>
+          <a:prstGeom prst="rect">
+            <a:avLst/>
+          </a:prstGeom>
+          <a:noFill/>
+        </p:spPr>
+        <p:txBody>
+          <a:bodyPr wrap="none" rtlCol="0">
+            <a:spAutoFit/>
+          </a:bodyPr>
+          <a:lstStyle/>
+          <a:p>
+            <a:r>
+              <a:rPr lang="en-US" altLang="zh-CN" sz="1200" dirty="0"/>
+              <a:t>f(c12)</a:t>
+            </a:r>
+            <a:endParaRPr lang="zh-CN" altLang="en-US" sz="1200" dirty="0"/>
+          </a:p>
+        </p:txBody>
+      </p:sp>
+      <p:cxnSp>
+        <p:nvCxnSpPr>
+          <p:cNvPr id="22" name="Straight Connector 21">
+            <a:extLst>
+              <a:ext uri="{FF2B5EF4-FFF2-40B4-BE49-F238E27FC236}">
+                <a16:creationId xmlns:a16="http://schemas.microsoft.com/office/drawing/2014/main" id="{F5D85AC2-EA19-42FD-93FE-CB97EC241C93}"/>
+              </a:ext>
+            </a:extLst>
+          </p:cNvPr>
+          <p:cNvCxnSpPr>
+            <a:stCxn id="293" idx="6"/>
+            <a:endCxn id="290" idx="1"/>
+          </p:cNvCxnSpPr>
+          <p:nvPr/>
+        </p:nvCxnSpPr>
+        <p:spPr>
+          <a:xfrm flipV="1">
+            <a:off x="6536298" y="1196130"/>
+            <a:ext cx="256170" cy="1535"/>
+          </a:xfrm>
+          <a:prstGeom prst="line">
+            <a:avLst/>
+          </a:prstGeom>
+        </p:spPr>
+        <p:style>
+          <a:lnRef idx="1">
+            <a:schemeClr val="accent1"/>
+          </a:lnRef>
+          <a:fillRef idx="0">
+            <a:schemeClr val="accent1"/>
+          </a:fillRef>
+          <a:effectRef idx="0">
+            <a:schemeClr val="accent1"/>
+          </a:effectRef>
+          <a:fontRef idx="minor">
+            <a:schemeClr val="tx1"/>
+          </a:fontRef>
+        </p:style>
+      </p:cxnSp>
+      <p:cxnSp>
+        <p:nvCxnSpPr>
+          <p:cNvPr id="30" name="Straight Connector 29">
+            <a:extLst>
+              <a:ext uri="{FF2B5EF4-FFF2-40B4-BE49-F238E27FC236}">
+                <a16:creationId xmlns:a16="http://schemas.microsoft.com/office/drawing/2014/main" id="{77DD1120-E55C-4583-BAB6-80976A9FB338}"/>
+              </a:ext>
+            </a:extLst>
+          </p:cNvPr>
+          <p:cNvCxnSpPr>
+            <a:stCxn id="287" idx="6"/>
+            <a:endCxn id="256" idx="1"/>
+          </p:cNvCxnSpPr>
+          <p:nvPr/>
+        </p:nvCxnSpPr>
+        <p:spPr>
+          <a:xfrm flipV="1">
+            <a:off x="7756296" y="1196130"/>
+            <a:ext cx="233057" cy="2699"/>
+          </a:xfrm>
+          <a:prstGeom prst="line">
+            <a:avLst/>
+          </a:prstGeom>
+        </p:spPr>
+        <p:style>
+          <a:lnRef idx="1">
+            <a:schemeClr val="accent1"/>
+          </a:lnRef>
+          <a:fillRef idx="0">
+            <a:schemeClr val="accent1"/>
+          </a:fillRef>
+          <a:effectRef idx="0">
+            <a:schemeClr val="accent1"/>
+          </a:effectRef>
+          <a:fontRef idx="minor">
+            <a:schemeClr val="tx1"/>
+          </a:fontRef>
+        </p:style>
+      </p:cxnSp>
+      <p:sp>
+        <p:nvSpPr>
+          <p:cNvPr id="299" name="TextBox 298">
+            <a:extLst>
+              <a:ext uri="{FF2B5EF4-FFF2-40B4-BE49-F238E27FC236}">
+                <a16:creationId xmlns:a16="http://schemas.microsoft.com/office/drawing/2014/main" id="{26D74E4E-234F-48AF-B2D0-E76895D69064}"/>
+              </a:ext>
+            </a:extLst>
+          </p:cNvPr>
+          <p:cNvSpPr txBox="1"/>
+          <p:nvPr/>
+        </p:nvSpPr>
+        <p:spPr>
+          <a:xfrm>
+            <a:off x="5333369" y="882820"/>
+            <a:ext cx="460382" cy="215444"/>
+          </a:xfrm>
+          <a:prstGeom prst="rect">
+            <a:avLst/>
+          </a:prstGeom>
+          <a:noFill/>
+        </p:spPr>
+        <p:txBody>
+          <a:bodyPr wrap="none" rtlCol="0">
+            <a:spAutoFit/>
+          </a:bodyPr>
+          <a:lstStyle/>
+          <a:p>
+            <a:r>
+              <a:rPr lang="en-US" altLang="zh-CN" sz="800" dirty="0"/>
+              <a:t>p(c12)</a:t>
+            </a:r>
+            <a:endParaRPr lang="zh-CN" altLang="en-US" sz="800" dirty="0"/>
+          </a:p>
+        </p:txBody>
+      </p:sp>
+      <p:sp>
+        <p:nvSpPr>
+          <p:cNvPr id="300" name="TextBox 299">
+            <a:extLst>
+              <a:ext uri="{FF2B5EF4-FFF2-40B4-BE49-F238E27FC236}">
+                <a16:creationId xmlns:a16="http://schemas.microsoft.com/office/drawing/2014/main" id="{B95FC7B5-B546-4100-964F-39297ECEAFA6}"/>
+              </a:ext>
+            </a:extLst>
+          </p:cNvPr>
+          <p:cNvSpPr txBox="1"/>
+          <p:nvPr/>
+        </p:nvSpPr>
+        <p:spPr>
+          <a:xfrm>
+            <a:off x="7715840" y="914439"/>
+            <a:ext cx="639919" cy="215444"/>
+          </a:xfrm>
+          <a:prstGeom prst="rect">
+            <a:avLst/>
+          </a:prstGeom>
+          <a:noFill/>
+        </p:spPr>
+        <p:txBody>
+          <a:bodyPr wrap="none" rtlCol="0">
+            <a:spAutoFit/>
+          </a:bodyPr>
+          <a:lstStyle/>
+          <a:p>
+            <a:r>
+              <a:rPr lang="en-US" altLang="zh-CN" sz="800" dirty="0"/>
+              <a:t>p(c32|c22)</a:t>
+            </a:r>
+            <a:endParaRPr lang="zh-CN" altLang="en-US" sz="800" dirty="0"/>
+          </a:p>
+        </p:txBody>
+      </p:sp>
+      <p:sp>
+        <p:nvSpPr>
+          <p:cNvPr id="301" name="TextBox 300">
+            <a:extLst>
+              <a:ext uri="{FF2B5EF4-FFF2-40B4-BE49-F238E27FC236}">
+                <a16:creationId xmlns:a16="http://schemas.microsoft.com/office/drawing/2014/main" id="{AC743E3C-487F-44BF-9082-CB0CC3627654}"/>
+              </a:ext>
+            </a:extLst>
+          </p:cNvPr>
+          <p:cNvSpPr txBox="1"/>
+          <p:nvPr/>
+        </p:nvSpPr>
+        <p:spPr>
+          <a:xfrm>
+            <a:off x="6504727" y="906501"/>
+            <a:ext cx="639919" cy="215444"/>
+          </a:xfrm>
+          <a:prstGeom prst="rect">
+            <a:avLst/>
+          </a:prstGeom>
+          <a:noFill/>
+        </p:spPr>
+        <p:txBody>
+          <a:bodyPr wrap="none" rtlCol="0">
+            <a:spAutoFit/>
+          </a:bodyPr>
+          <a:lstStyle/>
+          <a:p>
+            <a:r>
+              <a:rPr lang="en-US" altLang="zh-CN" sz="800" dirty="0"/>
+              <a:t>p(c22|c12)</a:t>
+            </a:r>
+            <a:endParaRPr lang="zh-CN" altLang="en-US" sz="800" dirty="0"/>
           </a:p>
         </p:txBody>
       </p:sp>
